--- a/[TSOF] - Aula4_TesteSistema.pptx
+++ b/[TSOF] - Aula4_TesteSistema.pptx
@@ -5,28 +5,24 @@
     <p:sldMasterId id="2147483648" r:id="rId3"/>
   </p:sldMasterIdLst>
   <p:notesMasterIdLst>
-    <p:notesMasterId r:id="rId20"/>
+    <p:notesMasterId r:id="rId16"/>
   </p:notesMasterIdLst>
   <p:handoutMasterIdLst>
-    <p:handoutMasterId r:id="rId21"/>
+    <p:handoutMasterId r:id="rId17"/>
   </p:handoutMasterIdLst>
   <p:sldIdLst>
     <p:sldId id="298" r:id="rId4"/>
     <p:sldId id="299" r:id="rId5"/>
     <p:sldId id="300" r:id="rId6"/>
     <p:sldId id="340" r:id="rId7"/>
-    <p:sldId id="341" r:id="rId8"/>
-    <p:sldId id="342" r:id="rId9"/>
-    <p:sldId id="346" r:id="rId10"/>
-    <p:sldId id="347" r:id="rId11"/>
-    <p:sldId id="348" r:id="rId12"/>
-    <p:sldId id="343" r:id="rId13"/>
-    <p:sldId id="349" r:id="rId14"/>
-    <p:sldId id="344" r:id="rId15"/>
-    <p:sldId id="345" r:id="rId16"/>
-    <p:sldId id="350" r:id="rId17"/>
-    <p:sldId id="351" r:id="rId18"/>
-    <p:sldId id="352" r:id="rId19"/>
+    <p:sldId id="353" r:id="rId8"/>
+    <p:sldId id="341" r:id="rId9"/>
+    <p:sldId id="342" r:id="rId10"/>
+    <p:sldId id="348" r:id="rId11"/>
+    <p:sldId id="343" r:id="rId12"/>
+    <p:sldId id="349" r:id="rId13"/>
+    <p:sldId id="350" r:id="rId14"/>
+    <p:sldId id="352" r:id="rId15"/>
   </p:sldIdLst>
   <p:sldSz cx="12192000" cy="6858000"/>
   <p:notesSz cx="6858000" cy="9144000"/>
@@ -232,7 +228,7 @@
             <a:pPr rtl="0"/>
             <a:fld id="{59696519-77A5-42E9-9F7C-68841B76CE9F}" type="datetime1">
               <a:rPr lang="pt-BR" smtClean="0"/>
-              <a:t>14/02/2025</a:t>
+              <a:t>20/02/2025</a:t>
             </a:fld>
             <a:endParaRPr lang="pt-BR" dirty="0"/>
           </a:p>
@@ -413,7 +409,7 @@
             <a:fld id="{DBE01C0E-6041-40BD-877C-FB9FBD0CE1C9}" type="datetime1">
               <a:rPr lang="pt-BR" smtClean="0"/>
               <a:pPr/>
-              <a:t>14/02/2025</a:t>
+              <a:t>20/02/2025</a:t>
             </a:fld>
             <a:endParaRPr lang="pt-BR" dirty="0"/>
           </a:p>
@@ -3029,7 +3025,7 @@
           <a:p>
             <a:fld id="{20B09755-C293-4A33-93C2-79B01653C9ED}" type="datetimeFigureOut">
               <a:rPr lang="pt-BR" smtClean="0"/>
-              <a:t>14/02/2025</a:t>
+              <a:t>20/02/2025</a:t>
             </a:fld>
             <a:endParaRPr lang="pt-BR"/>
           </a:p>
@@ -7754,7 +7750,7 @@
         <p:cNvPr id="1" name="">
           <a:extLst>
             <a:ext uri="{FF2B5EF4-FFF2-40B4-BE49-F238E27FC236}">
-              <a16:creationId xmlns:a16="http://schemas.microsoft.com/office/drawing/2014/main" id="{10BDF4CC-184F-DF82-D0C4-4D9786FFCB00}"/>
+              <a16:creationId xmlns:a16="http://schemas.microsoft.com/office/drawing/2014/main" id="{5BB26136-60FA-98A7-8298-DFC679CDC285}"/>
             </a:ext>
           </a:extLst>
         </p:cNvPr>
@@ -7774,7 +7770,7 @@
           <p:cNvPr id="9" name="Picture 4" descr="Não perca: nova turma do curso de Mestre de Obras em Campinas | Sinduscon-SP">
             <a:extLst>
               <a:ext uri="{FF2B5EF4-FFF2-40B4-BE49-F238E27FC236}">
-                <a16:creationId xmlns:a16="http://schemas.microsoft.com/office/drawing/2014/main" id="{4B16E2B6-A99C-5B59-198B-7F2C803975E1}"/>
+                <a16:creationId xmlns:a16="http://schemas.microsoft.com/office/drawing/2014/main" id="{7A2FDE8E-6D62-B46F-0717-3666F462896C}"/>
               </a:ext>
             </a:extLst>
           </p:cNvPr>
@@ -7821,7 +7817,7 @@
           <p:cNvPr id="11" name="Título 6">
             <a:extLst>
               <a:ext uri="{FF2B5EF4-FFF2-40B4-BE49-F238E27FC236}">
-                <a16:creationId xmlns:a16="http://schemas.microsoft.com/office/drawing/2014/main" id="{A26E3283-5DA6-FF95-4BA8-4E5125075D3C}"/>
+                <a16:creationId xmlns:a16="http://schemas.microsoft.com/office/drawing/2014/main" id="{0F00FE28-A71F-7195-1E86-AA8BE2A35581}"/>
               </a:ext>
             </a:extLst>
           </p:cNvPr>
@@ -7885,7 +7881,7 @@
           <p:cNvPr id="8" name="CaixaDeTexto 7">
             <a:extLst>
               <a:ext uri="{FF2B5EF4-FFF2-40B4-BE49-F238E27FC236}">
-                <a16:creationId xmlns:a16="http://schemas.microsoft.com/office/drawing/2014/main" id="{E70BADA1-CB79-C8AA-5176-FA1A525883C1}"/>
+                <a16:creationId xmlns:a16="http://schemas.microsoft.com/office/drawing/2014/main" id="{2D41B861-1428-B8A0-818B-F1A77F04DDAC}"/>
               </a:ext>
             </a:extLst>
           </p:cNvPr>
@@ -7894,8 +7890,8 @@
         </p:nvSpPr>
         <p:spPr>
           <a:xfrm>
-            <a:off x="506962" y="1829381"/>
-            <a:ext cx="11178075" cy="3995966"/>
+            <a:off x="266906" y="1634978"/>
+            <a:ext cx="11178075" cy="4334520"/>
           </a:xfrm>
           <a:prstGeom prst="rect">
             <a:avLst/>
@@ -7907,60 +7903,6 @@
             <a:spAutoFit/>
           </a:bodyPr>
           <a:lstStyle/>
-          <a:p>
-            <a:pPr algn="just">
-              <a:spcAft>
-                <a:spcPts val="225"/>
-              </a:spcAft>
-            </a:pPr>
-            <a:r>
-              <a:rPr lang="pt-BR" sz="2200" b="1" i="0" dirty="0">
-                <a:effectLst/>
-                <a:latin typeface="Arial" panose="020B0604020202020204" pitchFamily="34" charset="0"/>
-                <a:cs typeface="Arial" panose="020B0604020202020204" pitchFamily="34" charset="0"/>
-              </a:rPr>
-              <a:t>Testes Funcionais:</a:t>
-            </a:r>
-            <a:endParaRPr lang="pt-BR" sz="2200" b="0" i="0" dirty="0">
-              <a:effectLst/>
-              <a:latin typeface="Arial" panose="020B0604020202020204" pitchFamily="34" charset="0"/>
-              <a:cs typeface="Arial" panose="020B0604020202020204" pitchFamily="34" charset="0"/>
-            </a:endParaRPr>
-          </a:p>
-          <a:p>
-            <a:pPr algn="just">
-              <a:spcAft>
-                <a:spcPts val="225"/>
-              </a:spcAft>
-              <a:buFont typeface="Arial" panose="020B0604020202020204" pitchFamily="34" charset="0"/>
-              <a:buChar char="•"/>
-            </a:pPr>
-            <a:r>
-              <a:rPr lang="pt-BR" sz="2200" b="0" i="0" dirty="0">
-                <a:effectLst/>
-                <a:latin typeface="Arial" panose="020B0604020202020204" pitchFamily="34" charset="0"/>
-                <a:cs typeface="Arial" panose="020B0604020202020204" pitchFamily="34" charset="0"/>
-              </a:rPr>
-              <a:t>Objetivo: Verificar se o sistema faz o que foi especificado nos requisitos funcionais.</a:t>
-            </a:r>
-          </a:p>
-          <a:p>
-            <a:pPr algn="just">
-              <a:spcAft>
-                <a:spcPts val="225"/>
-              </a:spcAft>
-              <a:buFont typeface="Arial" panose="020B0604020202020204" pitchFamily="34" charset="0"/>
-              <a:buChar char="•"/>
-            </a:pPr>
-            <a:r>
-              <a:rPr lang="pt-BR" sz="2200" b="0" i="0" dirty="0">
-                <a:effectLst/>
-                <a:latin typeface="Arial" panose="020B0604020202020204" pitchFamily="34" charset="0"/>
-                <a:cs typeface="Arial" panose="020B0604020202020204" pitchFamily="34" charset="0"/>
-              </a:rPr>
-              <a:t>Tipos:</a:t>
-            </a:r>
-          </a:p>
           <a:p>
             <a:pPr marL="742950" lvl="1" indent="-285750" algn="just">
               <a:spcAft>
@@ -7975,7 +7917,7 @@
                 <a:latin typeface="Arial" panose="020B0604020202020204" pitchFamily="34" charset="0"/>
                 <a:cs typeface="Arial" panose="020B0604020202020204" pitchFamily="34" charset="0"/>
               </a:rPr>
-              <a:t>Teste de Caixa Preta:</a:t>
+              <a:t>Teste de Caixa Branca:</a:t>
             </a:r>
             <a:r>
               <a:rPr lang="pt-BR" sz="2200" b="0" i="0" dirty="0">
@@ -7983,8 +7925,22 @@
                 <a:latin typeface="Arial" panose="020B0604020202020204" pitchFamily="34" charset="0"/>
                 <a:cs typeface="Arial" panose="020B0604020202020204" pitchFamily="34" charset="0"/>
               </a:rPr>
-              <a:t> Testar o sistema sem conhecimento da sua estrutura interna.</a:t>
-            </a:r>
+              <a:t> Testar o sistema com conhecimento da sua estrutura interna (geralmente realizado por desenvolvedores).</a:t>
+            </a:r>
+          </a:p>
+          <a:p>
+            <a:pPr marL="742950" lvl="1" indent="-285750" algn="just">
+              <a:spcAft>
+                <a:spcPts val="225"/>
+              </a:spcAft>
+              <a:buFont typeface="Arial" panose="020B0604020202020204" pitchFamily="34" charset="0"/>
+              <a:buChar char="•"/>
+            </a:pPr>
+            <a:endParaRPr lang="pt-BR" sz="2200" b="0" i="0" dirty="0">
+              <a:effectLst/>
+              <a:latin typeface="Arial" panose="020B0604020202020204" pitchFamily="34" charset="0"/>
+              <a:cs typeface="Arial" panose="020B0604020202020204" pitchFamily="34" charset="0"/>
+            </a:endParaRPr>
           </a:p>
           <a:p>
             <a:pPr marL="1143000" lvl="2" indent="-228600" algn="just">
@@ -8000,7 +7956,7 @@
                 <a:latin typeface="Arial" panose="020B0604020202020204" pitchFamily="34" charset="0"/>
                 <a:cs typeface="Arial" panose="020B0604020202020204" pitchFamily="34" charset="0"/>
               </a:rPr>
-              <a:t>Testes de Equivalência de Classes: Dividir os dados de entrada em classes equivalentes e testar apenas um valor de cada classe.</a:t>
+              <a:t>Cobertura de Sentenças: Garantir que todas as sentenças do código sejam executadas pelo menos uma vez.</a:t>
             </a:r>
           </a:p>
           <a:p>
@@ -8011,14 +7967,11 @@
               <a:buFont typeface="Arial" panose="020B0604020202020204" pitchFamily="34" charset="0"/>
               <a:buChar char="•"/>
             </a:pPr>
-            <a:r>
-              <a:rPr lang="pt-BR" sz="2200" b="0" i="0" dirty="0">
-                <a:effectLst/>
-                <a:latin typeface="Arial" panose="020B0604020202020204" pitchFamily="34" charset="0"/>
-                <a:cs typeface="Arial" panose="020B0604020202020204" pitchFamily="34" charset="0"/>
-              </a:rPr>
-              <a:t>Análise de Valor Limite: Testar os valores nos limites das classes equivalentes.</a:t>
-            </a:r>
+            <a:endParaRPr lang="pt-BR" sz="2200" b="0" i="0" dirty="0">
+              <a:effectLst/>
+              <a:latin typeface="Arial" panose="020B0604020202020204" pitchFamily="34" charset="0"/>
+              <a:cs typeface="Arial" panose="020B0604020202020204" pitchFamily="34" charset="0"/>
+            </a:endParaRPr>
           </a:p>
           <a:p>
             <a:pPr marL="1143000" lvl="2" indent="-228600" algn="just">
@@ -8034,208 +7987,15 @@
                 <a:latin typeface="Arial" panose="020B0604020202020204" pitchFamily="34" charset="0"/>
                 <a:cs typeface="Arial" panose="020B0604020202020204" pitchFamily="34" charset="0"/>
               </a:rPr>
-              <a:t>Testes de Tabela de Decisão: Criar tabelas para combinar diferentes condições e ações e testar todas as combinações possíveis.</a:t>
-            </a:r>
-          </a:p>
-          <a:p>
-            <a:pPr algn="just"/>
-            <a:endParaRPr lang="pt-BR" sz="2200" b="0" i="0" dirty="0">
-              <a:effectLst/>
-              <a:latin typeface="Arial" panose="020B0604020202020204" pitchFamily="34" charset="0"/>
-              <a:cs typeface="Arial" panose="020B0604020202020204" pitchFamily="34" charset="0"/>
-            </a:endParaRPr>
-          </a:p>
-        </p:txBody>
-      </p:sp>
-    </p:spTree>
-    <p:extLst>
-      <p:ext uri="{BB962C8B-B14F-4D97-AF65-F5344CB8AC3E}">
-        <p14:creationId xmlns:p14="http://schemas.microsoft.com/office/powerpoint/2010/main" val="1908247947"/>
-      </p:ext>
-    </p:extLst>
-  </p:cSld>
-  <p:clrMapOvr>
-    <a:masterClrMapping/>
-  </p:clrMapOvr>
-</p:sld>
-</file>
-
-<file path=ppt/slides/slide11.xml><?xml version="1.0" encoding="utf-8"?>
-<p:sld xmlns:a="http://schemas.openxmlformats.org/drawingml/2006/main" xmlns:r="http://schemas.openxmlformats.org/officeDocument/2006/relationships" xmlns:p="http://schemas.openxmlformats.org/presentationml/2006/main">
-  <p:cSld>
-    <p:spTree>
-      <p:nvGrpSpPr>
-        <p:cNvPr id="1" name="">
-          <a:extLst>
-            <a:ext uri="{FF2B5EF4-FFF2-40B4-BE49-F238E27FC236}">
-              <a16:creationId xmlns:a16="http://schemas.microsoft.com/office/drawing/2014/main" id="{5BB26136-60FA-98A7-8298-DFC679CDC285}"/>
-            </a:ext>
-          </a:extLst>
-        </p:cNvPr>
-        <p:cNvGrpSpPr/>
-        <p:nvPr/>
-      </p:nvGrpSpPr>
-      <p:grpSpPr>
-        <a:xfrm>
-          <a:off x="0" y="0"/>
-          <a:ext cx="0" cy="0"/>
-          <a:chOff x="0" y="0"/>
-          <a:chExt cx="0" cy="0"/>
-        </a:xfrm>
-      </p:grpSpPr>
-      <p:pic>
-        <p:nvPicPr>
-          <p:cNvPr id="9" name="Picture 4" descr="Não perca: nova turma do curso de Mestre de Obras em Campinas | Sinduscon-SP">
-            <a:extLst>
-              <a:ext uri="{FF2B5EF4-FFF2-40B4-BE49-F238E27FC236}">
-                <a16:creationId xmlns:a16="http://schemas.microsoft.com/office/drawing/2014/main" id="{7A2FDE8E-6D62-B46F-0717-3666F462896C}"/>
-              </a:ext>
-            </a:extLst>
-          </p:cNvPr>
-          <p:cNvPicPr>
-            <a:picLocks noChangeAspect="1" noChangeArrowheads="1"/>
-          </p:cNvPicPr>
-          <p:nvPr/>
-        </p:nvPicPr>
-        <p:blipFill>
-          <a:blip r:embed="rId2">
-            <a:extLst>
-              <a:ext uri="{28A0092B-C50C-407E-A947-70E740481C1C}">
-                <a14:useLocalDpi xmlns:a14="http://schemas.microsoft.com/office/drawing/2010/main" val="0"/>
-              </a:ext>
-            </a:extLst>
-          </a:blip>
-          <a:srcRect/>
-          <a:stretch>
-            <a:fillRect/>
-          </a:stretch>
-        </p:blipFill>
-        <p:spPr bwMode="auto">
-          <a:xfrm>
-            <a:off x="9731829" y="6232541"/>
-            <a:ext cx="2460171" cy="624717"/>
-          </a:xfrm>
-          <a:prstGeom prst="rect">
-            <a:avLst/>
-          </a:prstGeom>
-          <a:noFill/>
-          <a:extLst>
-            <a:ext uri="{909E8E84-426E-40DD-AFC4-6F175D3DCCD1}">
-              <a14:hiddenFill xmlns:a14="http://schemas.microsoft.com/office/drawing/2010/main">
-                <a:solidFill>
-                  <a:srgbClr val="FFFFFF"/>
-                </a:solidFill>
-              </a14:hiddenFill>
-            </a:ext>
-          </a:extLst>
-        </p:spPr>
-      </p:pic>
-      <p:sp>
-        <p:nvSpPr>
-          <p:cNvPr id="11" name="Título 6">
-            <a:extLst>
-              <a:ext uri="{FF2B5EF4-FFF2-40B4-BE49-F238E27FC236}">
-                <a16:creationId xmlns:a16="http://schemas.microsoft.com/office/drawing/2014/main" id="{0F00FE28-A71F-7195-1E86-AA8BE2A35581}"/>
-              </a:ext>
-            </a:extLst>
-          </p:cNvPr>
-          <p:cNvSpPr txBox="1">
-            <a:spLocks/>
-          </p:cNvSpPr>
-          <p:nvPr/>
-        </p:nvSpPr>
-        <p:spPr>
-          <a:xfrm>
-            <a:off x="432000" y="254807"/>
-            <a:ext cx="11328000" cy="432000"/>
-          </a:xfrm>
-          <a:prstGeom prst="rect">
-            <a:avLst/>
-          </a:prstGeom>
-        </p:spPr>
-        <p:txBody>
-          <a:bodyPr vert="horz" lIns="0" tIns="0" rIns="0" bIns="0" rtlCol="0" anchor="ctr">
-            <a:noAutofit/>
-          </a:bodyPr>
-          <a:lstStyle>
-            <a:lvl1pPr algn="l" defTabSz="914400" rtl="0" eaLnBrk="1" latinLnBrk="0" hangingPunct="1">
-              <a:lnSpc>
-                <a:spcPct val="90000"/>
-              </a:lnSpc>
-              <a:spcBef>
-                <a:spcPct val="0"/>
-              </a:spcBef>
-              <a:buNone/>
-              <a:defRPr sz="3200" b="1" kern="1200" spc="-150">
-                <a:solidFill>
-                  <a:schemeClr val="tx1">
-                    <a:lumMod val="75000"/>
-                    <a:lumOff val="25000"/>
-                  </a:schemeClr>
-                </a:solidFill>
-                <a:latin typeface="+mj-lt"/>
-                <a:ea typeface="+mj-ea"/>
-                <a:cs typeface="+mj-cs"/>
-              </a:defRPr>
-            </a:lvl1pPr>
-          </a:lstStyle>
-          <a:p>
-            <a:r>
-              <a:rPr lang="pt-BR" dirty="0">
-                <a:solidFill>
-                  <a:srgbClr val="C00000"/>
-                </a:solidFill>
-                <a:latin typeface="Arial" panose="020B0604020202020204" pitchFamily="34" charset="0"/>
-                <a:ea typeface="Cambria" panose="02040503050406030204" pitchFamily="18" charset="0"/>
-                <a:cs typeface="Arial" panose="020B0604020202020204" pitchFamily="34" charset="0"/>
-              </a:rPr>
-              <a:t>Teste de Sistema</a:t>
-            </a:r>
-          </a:p>
-        </p:txBody>
-      </p:sp>
-      <p:sp>
-        <p:nvSpPr>
-          <p:cNvPr id="8" name="CaixaDeTexto 7">
-            <a:extLst>
-              <a:ext uri="{FF2B5EF4-FFF2-40B4-BE49-F238E27FC236}">
-                <a16:creationId xmlns:a16="http://schemas.microsoft.com/office/drawing/2014/main" id="{2D41B861-1428-B8A0-818B-F1A77F04DDAC}"/>
-              </a:ext>
-            </a:extLst>
-          </p:cNvPr>
-          <p:cNvSpPr txBox="1"/>
-          <p:nvPr/>
-        </p:nvSpPr>
-        <p:spPr>
-          <a:xfrm>
-            <a:off x="317240" y="2230597"/>
-            <a:ext cx="11178075" cy="3241913"/>
-          </a:xfrm>
-          <a:prstGeom prst="rect">
-            <a:avLst/>
-          </a:prstGeom>
-          <a:noFill/>
-        </p:spPr>
-        <p:txBody>
-          <a:bodyPr wrap="square">
-            <a:spAutoFit/>
-          </a:bodyPr>
-          <a:lstStyle/>
-          <a:p>
-            <a:pPr marL="742950" lvl="1" indent="-285750" algn="just">
-              <a:spcAft>
-                <a:spcPts val="225"/>
-              </a:spcAft>
-              <a:buFont typeface="Arial" panose="020B0604020202020204" pitchFamily="34" charset="0"/>
-              <a:buChar char="•"/>
-            </a:pPr>
-            <a:r>
-              <a:rPr lang="pt-BR" sz="2200" b="1" i="0" dirty="0">
+              <a:t>Cobertura de Decisões: Garantir que todas as decisões (</a:t>
+            </a:r>
+            <a:r>
+              <a:rPr lang="pt-BR" sz="2200" b="0" i="0" dirty="0" err="1">
                 <a:effectLst/>
                 <a:latin typeface="Arial" panose="020B0604020202020204" pitchFamily="34" charset="0"/>
                 <a:cs typeface="Arial" panose="020B0604020202020204" pitchFamily="34" charset="0"/>
               </a:rPr>
-              <a:t>Teste de Caixa Branca:</a:t>
+              <a:t>if</a:t>
             </a:r>
             <a:r>
               <a:rPr lang="pt-BR" sz="2200" b="0" i="0" dirty="0">
@@ -8243,7 +8003,23 @@
                 <a:latin typeface="Arial" panose="020B0604020202020204" pitchFamily="34" charset="0"/>
                 <a:cs typeface="Arial" panose="020B0604020202020204" pitchFamily="34" charset="0"/>
               </a:rPr>
-              <a:t> Testar o sistema com conhecimento da sua estrutura interna (geralmente realizado por desenvolvedores).</a:t>
+              <a:t>/</a:t>
+            </a:r>
+            <a:r>
+              <a:rPr lang="pt-BR" sz="2200" b="0" i="0" dirty="0" err="1">
+                <a:effectLst/>
+                <a:latin typeface="Arial" panose="020B0604020202020204" pitchFamily="34" charset="0"/>
+                <a:cs typeface="Arial" panose="020B0604020202020204" pitchFamily="34" charset="0"/>
+              </a:rPr>
+              <a:t>else</a:t>
+            </a:r>
+            <a:r>
+              <a:rPr lang="pt-BR" sz="2200" b="0" i="0" dirty="0">
+                <a:effectLst/>
+                <a:latin typeface="Arial" panose="020B0604020202020204" pitchFamily="34" charset="0"/>
+                <a:cs typeface="Arial" panose="020B0604020202020204" pitchFamily="34" charset="0"/>
+              </a:rPr>
+              <a:t>) do código sejam executadas em ambos os caminhos (verdadeiro e falso).</a:t>
             </a:r>
           </a:p>
           <a:p>
@@ -8254,63 +8030,11 @@
               <a:buFont typeface="Arial" panose="020B0604020202020204" pitchFamily="34" charset="0"/>
               <a:buChar char="•"/>
             </a:pPr>
-            <a:r>
-              <a:rPr lang="pt-BR" sz="2200" b="0" i="0" dirty="0">
-                <a:effectLst/>
-                <a:latin typeface="Arial" panose="020B0604020202020204" pitchFamily="34" charset="0"/>
-                <a:cs typeface="Arial" panose="020B0604020202020204" pitchFamily="34" charset="0"/>
-              </a:rPr>
-              <a:t>Cobertura de Sentenças: Garantir que todas as sentenças do código sejam executadas pelo menos uma vez.</a:t>
-            </a:r>
-          </a:p>
-          <a:p>
-            <a:pPr marL="1143000" lvl="2" indent="-228600" algn="just">
-              <a:spcAft>
-                <a:spcPts val="225"/>
-              </a:spcAft>
-              <a:buFont typeface="Arial" panose="020B0604020202020204" pitchFamily="34" charset="0"/>
-              <a:buChar char="•"/>
-            </a:pPr>
-            <a:r>
-              <a:rPr lang="pt-BR" sz="2200" b="0" i="0" dirty="0">
-                <a:effectLst/>
-                <a:latin typeface="Arial" panose="020B0604020202020204" pitchFamily="34" charset="0"/>
-                <a:cs typeface="Arial" panose="020B0604020202020204" pitchFamily="34" charset="0"/>
-              </a:rPr>
-              <a:t>Cobertura de Decisões: Garantir que todas as decisões (</a:t>
-            </a:r>
-            <a:r>
-              <a:rPr lang="pt-BR" sz="2200" b="0" i="0" dirty="0" err="1">
-                <a:effectLst/>
-                <a:latin typeface="Arial" panose="020B0604020202020204" pitchFamily="34" charset="0"/>
-                <a:cs typeface="Arial" panose="020B0604020202020204" pitchFamily="34" charset="0"/>
-              </a:rPr>
-              <a:t>if</a:t>
-            </a:r>
-            <a:r>
-              <a:rPr lang="pt-BR" sz="2200" b="0" i="0" dirty="0">
-                <a:effectLst/>
-                <a:latin typeface="Arial" panose="020B0604020202020204" pitchFamily="34" charset="0"/>
-                <a:cs typeface="Arial" panose="020B0604020202020204" pitchFamily="34" charset="0"/>
-              </a:rPr>
-              <a:t>/</a:t>
-            </a:r>
-            <a:r>
-              <a:rPr lang="pt-BR" sz="2200" b="0" i="0" dirty="0" err="1">
-                <a:effectLst/>
-                <a:latin typeface="Arial" panose="020B0604020202020204" pitchFamily="34" charset="0"/>
-                <a:cs typeface="Arial" panose="020B0604020202020204" pitchFamily="34" charset="0"/>
-              </a:rPr>
-              <a:t>else</a:t>
-            </a:r>
-            <a:r>
-              <a:rPr lang="pt-BR" sz="2200" b="0" i="0" dirty="0">
-                <a:effectLst/>
-                <a:latin typeface="Arial" panose="020B0604020202020204" pitchFamily="34" charset="0"/>
-                <a:cs typeface="Arial" panose="020B0604020202020204" pitchFamily="34" charset="0"/>
-              </a:rPr>
-              <a:t>) do código sejam executadas em ambos os caminhos (verdadeiro e falso).</a:t>
-            </a:r>
+            <a:endParaRPr lang="pt-BR" sz="2200" b="0" i="0" dirty="0">
+              <a:effectLst/>
+              <a:latin typeface="Arial" panose="020B0604020202020204" pitchFamily="34" charset="0"/>
+              <a:cs typeface="Arial" panose="020B0604020202020204" pitchFamily="34" charset="0"/>
+            </a:endParaRPr>
           </a:p>
           <a:p>
             <a:pPr marL="1143000" lvl="2" indent="-228600" algn="just">
@@ -8352,825 +8076,7 @@
 </p:sld>
 </file>
 
-<file path=ppt/slides/slide12.xml><?xml version="1.0" encoding="utf-8"?>
-<p:sld xmlns:a="http://schemas.openxmlformats.org/drawingml/2006/main" xmlns:r="http://schemas.openxmlformats.org/officeDocument/2006/relationships" xmlns:p="http://schemas.openxmlformats.org/presentationml/2006/main">
-  <p:cSld>
-    <p:spTree>
-      <p:nvGrpSpPr>
-        <p:cNvPr id="1" name="">
-          <a:extLst>
-            <a:ext uri="{FF2B5EF4-FFF2-40B4-BE49-F238E27FC236}">
-              <a16:creationId xmlns:a16="http://schemas.microsoft.com/office/drawing/2014/main" id="{64D7F8CE-9F43-25BB-7B82-51C782EF0E2C}"/>
-            </a:ext>
-          </a:extLst>
-        </p:cNvPr>
-        <p:cNvGrpSpPr/>
-        <p:nvPr/>
-      </p:nvGrpSpPr>
-      <p:grpSpPr>
-        <a:xfrm>
-          <a:off x="0" y="0"/>
-          <a:ext cx="0" cy="0"/>
-          <a:chOff x="0" y="0"/>
-          <a:chExt cx="0" cy="0"/>
-        </a:xfrm>
-      </p:grpSpPr>
-      <p:pic>
-        <p:nvPicPr>
-          <p:cNvPr id="9" name="Picture 4" descr="Não perca: nova turma do curso de Mestre de Obras em Campinas | Sinduscon-SP">
-            <a:extLst>
-              <a:ext uri="{FF2B5EF4-FFF2-40B4-BE49-F238E27FC236}">
-                <a16:creationId xmlns:a16="http://schemas.microsoft.com/office/drawing/2014/main" id="{BADB89D5-8D9A-29D5-33D8-5AD3106EA078}"/>
-              </a:ext>
-            </a:extLst>
-          </p:cNvPr>
-          <p:cNvPicPr>
-            <a:picLocks noChangeAspect="1" noChangeArrowheads="1"/>
-          </p:cNvPicPr>
-          <p:nvPr/>
-        </p:nvPicPr>
-        <p:blipFill>
-          <a:blip r:embed="rId2">
-            <a:extLst>
-              <a:ext uri="{28A0092B-C50C-407E-A947-70E740481C1C}">
-                <a14:useLocalDpi xmlns:a14="http://schemas.microsoft.com/office/drawing/2010/main" val="0"/>
-              </a:ext>
-            </a:extLst>
-          </a:blip>
-          <a:srcRect/>
-          <a:stretch>
-            <a:fillRect/>
-          </a:stretch>
-        </p:blipFill>
-        <p:spPr bwMode="auto">
-          <a:xfrm>
-            <a:off x="9731829" y="6232541"/>
-            <a:ext cx="2460171" cy="624717"/>
-          </a:xfrm>
-          <a:prstGeom prst="rect">
-            <a:avLst/>
-          </a:prstGeom>
-          <a:noFill/>
-          <a:extLst>
-            <a:ext uri="{909E8E84-426E-40DD-AFC4-6F175D3DCCD1}">
-              <a14:hiddenFill xmlns:a14="http://schemas.microsoft.com/office/drawing/2010/main">
-                <a:solidFill>
-                  <a:srgbClr val="FFFFFF"/>
-                </a:solidFill>
-              </a14:hiddenFill>
-            </a:ext>
-          </a:extLst>
-        </p:spPr>
-      </p:pic>
-      <p:sp>
-        <p:nvSpPr>
-          <p:cNvPr id="11" name="Título 6">
-            <a:extLst>
-              <a:ext uri="{FF2B5EF4-FFF2-40B4-BE49-F238E27FC236}">
-                <a16:creationId xmlns:a16="http://schemas.microsoft.com/office/drawing/2014/main" id="{8A867C13-147A-92B1-9DFF-C4C05ABC1BD1}"/>
-              </a:ext>
-            </a:extLst>
-          </p:cNvPr>
-          <p:cNvSpPr txBox="1">
-            <a:spLocks/>
-          </p:cNvSpPr>
-          <p:nvPr/>
-        </p:nvSpPr>
-        <p:spPr>
-          <a:xfrm>
-            <a:off x="432000" y="254807"/>
-            <a:ext cx="11328000" cy="432000"/>
-          </a:xfrm>
-          <a:prstGeom prst="rect">
-            <a:avLst/>
-          </a:prstGeom>
-        </p:spPr>
-        <p:txBody>
-          <a:bodyPr vert="horz" lIns="0" tIns="0" rIns="0" bIns="0" rtlCol="0" anchor="ctr">
-            <a:noAutofit/>
-          </a:bodyPr>
-          <a:lstStyle>
-            <a:lvl1pPr algn="l" defTabSz="914400" rtl="0" eaLnBrk="1" latinLnBrk="0" hangingPunct="1">
-              <a:lnSpc>
-                <a:spcPct val="90000"/>
-              </a:lnSpc>
-              <a:spcBef>
-                <a:spcPct val="0"/>
-              </a:spcBef>
-              <a:buNone/>
-              <a:defRPr sz="3200" b="1" kern="1200" spc="-150">
-                <a:solidFill>
-                  <a:schemeClr val="tx1">
-                    <a:lumMod val="75000"/>
-                    <a:lumOff val="25000"/>
-                  </a:schemeClr>
-                </a:solidFill>
-                <a:latin typeface="+mj-lt"/>
-                <a:ea typeface="+mj-ea"/>
-                <a:cs typeface="+mj-cs"/>
-              </a:defRPr>
-            </a:lvl1pPr>
-          </a:lstStyle>
-          <a:p>
-            <a:r>
-              <a:rPr lang="pt-BR" dirty="0">
-                <a:solidFill>
-                  <a:srgbClr val="C00000"/>
-                </a:solidFill>
-                <a:latin typeface="Arial" panose="020B0604020202020204" pitchFamily="34" charset="0"/>
-                <a:ea typeface="Cambria" panose="02040503050406030204" pitchFamily="18" charset="0"/>
-                <a:cs typeface="Arial" panose="020B0604020202020204" pitchFamily="34" charset="0"/>
-              </a:rPr>
-              <a:t>Teste de Sistema – Teste não funcional</a:t>
-            </a:r>
-          </a:p>
-        </p:txBody>
-      </p:sp>
-      <p:graphicFrame>
-        <p:nvGraphicFramePr>
-          <p:cNvPr id="3" name="Tabela 2">
-            <a:extLst>
-              <a:ext uri="{FF2B5EF4-FFF2-40B4-BE49-F238E27FC236}">
-                <a16:creationId xmlns:a16="http://schemas.microsoft.com/office/drawing/2014/main" id="{E917178C-CFA9-E98D-D6C4-C6CCE08636CA}"/>
-              </a:ext>
-            </a:extLst>
-          </p:cNvPr>
-          <p:cNvGraphicFramePr>
-            <a:graphicFrameLocks noGrp="1"/>
-          </p:cNvGraphicFramePr>
-          <p:nvPr>
-            <p:extLst>
-              <p:ext uri="{D42A27DB-BD31-4B8C-83A1-F6EECF244321}">
-                <p14:modId xmlns:p14="http://schemas.microsoft.com/office/powerpoint/2010/main" val="833677834"/>
-              </p:ext>
-            </p:extLst>
-          </p:nvPr>
-        </p:nvGraphicFramePr>
-        <p:xfrm>
-          <a:off x="431601" y="1752820"/>
-          <a:ext cx="11328399" cy="3718560"/>
-        </p:xfrm>
-        <a:graphic>
-          <a:graphicData uri="http://schemas.openxmlformats.org/drawingml/2006/table">
-            <a:tbl>
-              <a:tblPr>
-                <a:tableStyleId>{2D5ABB26-0587-4C30-8999-92F81FD0307C}</a:tableStyleId>
-              </a:tblPr>
-              <a:tblGrid>
-                <a:gridCol w="2908559">
-                  <a:extLst>
-                    <a:ext uri="{9D8B030D-6E8A-4147-A177-3AD203B41FA5}">
-                      <a16:colId xmlns:a16="http://schemas.microsoft.com/office/drawing/2014/main" val="2593378754"/>
-                    </a:ext>
-                  </a:extLst>
-                </a:gridCol>
-                <a:gridCol w="4643707">
-                  <a:extLst>
-                    <a:ext uri="{9D8B030D-6E8A-4147-A177-3AD203B41FA5}">
-                      <a16:colId xmlns:a16="http://schemas.microsoft.com/office/drawing/2014/main" val="4045311502"/>
-                    </a:ext>
-                  </a:extLst>
-                </a:gridCol>
-                <a:gridCol w="3776133">
-                  <a:extLst>
-                    <a:ext uri="{9D8B030D-6E8A-4147-A177-3AD203B41FA5}">
-                      <a16:colId xmlns:a16="http://schemas.microsoft.com/office/drawing/2014/main" val="682772958"/>
-                    </a:ext>
-                  </a:extLst>
-                </a:gridCol>
-              </a:tblGrid>
-              <a:tr h="0">
-                <a:tc>
-                  <a:txBody>
-                    <a:bodyPr/>
-                    <a:lstStyle/>
-                    <a:p>
-                      <a:r>
-                        <a:rPr lang="pt-BR" sz="2200" b="1" dirty="0">
-                          <a:effectLst/>
-                          <a:latin typeface="Arial" panose="020B0604020202020204" pitchFamily="34" charset="0"/>
-                          <a:cs typeface="Arial" panose="020B0604020202020204" pitchFamily="34" charset="0"/>
-                        </a:rPr>
-                        <a:t>Testes de Desempenho</a:t>
-                      </a:r>
-                      <a:endParaRPr lang="pt-BR" sz="2200" dirty="0">
-                        <a:effectLst/>
-                        <a:latin typeface="Arial" panose="020B0604020202020204" pitchFamily="34" charset="0"/>
-                        <a:cs typeface="Arial" panose="020B0604020202020204" pitchFamily="34" charset="0"/>
-                      </a:endParaRPr>
-                    </a:p>
-                  </a:txBody>
-                  <a:tcPr anchor="ctr"/>
-                </a:tc>
-                <a:tc>
-                  <a:txBody>
-                    <a:bodyPr/>
-                    <a:lstStyle/>
-                    <a:p>
-                      <a:r>
-                        <a:rPr lang="pt-BR" sz="2200">
-                          <a:effectLst/>
-                          <a:latin typeface="Arial" panose="020B0604020202020204" pitchFamily="34" charset="0"/>
-                          <a:cs typeface="Arial" panose="020B0604020202020204" pitchFamily="34" charset="0"/>
-                        </a:rPr>
-                        <a:t>Verificam como o sistema se comporta sob carga ou estresse.</a:t>
-                      </a:r>
-                    </a:p>
-                  </a:txBody>
-                  <a:tcPr anchor="ctr"/>
-                </a:tc>
-                <a:tc>
-                  <a:txBody>
-                    <a:bodyPr/>
-                    <a:lstStyle/>
-                    <a:p>
-                      <a:r>
-                        <a:rPr lang="pt-BR" sz="2200">
-                          <a:effectLst/>
-                          <a:latin typeface="Arial" panose="020B0604020202020204" pitchFamily="34" charset="0"/>
-                          <a:cs typeface="Arial" panose="020B0604020202020204" pitchFamily="34" charset="0"/>
-                        </a:rPr>
-                        <a:t>Simular 1.000 usuários acessando o site ao mesmo tempo.</a:t>
-                      </a:r>
-                    </a:p>
-                  </a:txBody>
-                  <a:tcPr anchor="ctr"/>
-                </a:tc>
-                <a:extLst>
-                  <a:ext uri="{0D108BD9-81ED-4DB2-BD59-A6C34878D82A}">
-                    <a16:rowId xmlns:a16="http://schemas.microsoft.com/office/drawing/2014/main" val="2235743818"/>
-                  </a:ext>
-                </a:extLst>
-              </a:tr>
-              <a:tr h="0">
-                <a:tc>
-                  <a:txBody>
-                    <a:bodyPr/>
-                    <a:lstStyle/>
-                    <a:p>
-                      <a:r>
-                        <a:rPr lang="pt-BR" sz="2200" b="1" dirty="0">
-                          <a:effectLst/>
-                          <a:latin typeface="Arial" panose="020B0604020202020204" pitchFamily="34" charset="0"/>
-                          <a:cs typeface="Arial" panose="020B0604020202020204" pitchFamily="34" charset="0"/>
-                        </a:rPr>
-                        <a:t>Testes de Segurança</a:t>
-                      </a:r>
-                      <a:endParaRPr lang="pt-BR" sz="2200" dirty="0">
-                        <a:effectLst/>
-                        <a:latin typeface="Arial" panose="020B0604020202020204" pitchFamily="34" charset="0"/>
-                        <a:cs typeface="Arial" panose="020B0604020202020204" pitchFamily="34" charset="0"/>
-                      </a:endParaRPr>
-                    </a:p>
-                  </a:txBody>
-                  <a:tcPr anchor="ctr"/>
-                </a:tc>
-                <a:tc>
-                  <a:txBody>
-                    <a:bodyPr/>
-                    <a:lstStyle/>
-                    <a:p>
-                      <a:r>
-                        <a:rPr lang="pt-BR" sz="2200" dirty="0">
-                          <a:effectLst/>
-                          <a:latin typeface="Arial" panose="020B0604020202020204" pitchFamily="34" charset="0"/>
-                          <a:cs typeface="Arial" panose="020B0604020202020204" pitchFamily="34" charset="0"/>
-                        </a:rPr>
-                        <a:t>Avaliam vulnerabilidades e proteção de dados.</a:t>
-                      </a:r>
-                    </a:p>
-                  </a:txBody>
-                  <a:tcPr anchor="ctr"/>
-                </a:tc>
-                <a:tc>
-                  <a:txBody>
-                    <a:bodyPr/>
-                    <a:lstStyle/>
-                    <a:p>
-                      <a:r>
-                        <a:rPr lang="pt-BR" sz="2200">
-                          <a:effectLst/>
-                          <a:latin typeface="Arial" panose="020B0604020202020204" pitchFamily="34" charset="0"/>
-                          <a:cs typeface="Arial" panose="020B0604020202020204" pitchFamily="34" charset="0"/>
-                        </a:rPr>
-                        <a:t>Testar se o sistema bloqueia tentativas de SQL Injection.</a:t>
-                      </a:r>
-                    </a:p>
-                  </a:txBody>
-                  <a:tcPr anchor="ctr"/>
-                </a:tc>
-                <a:extLst>
-                  <a:ext uri="{0D108BD9-81ED-4DB2-BD59-A6C34878D82A}">
-                    <a16:rowId xmlns:a16="http://schemas.microsoft.com/office/drawing/2014/main" val="1255881890"/>
-                  </a:ext>
-                </a:extLst>
-              </a:tr>
-              <a:tr h="0">
-                <a:tc>
-                  <a:txBody>
-                    <a:bodyPr/>
-                    <a:lstStyle/>
-                    <a:p>
-                      <a:r>
-                        <a:rPr lang="pt-BR" sz="2200" b="1">
-                          <a:effectLst/>
-                          <a:latin typeface="Arial" panose="020B0604020202020204" pitchFamily="34" charset="0"/>
-                          <a:cs typeface="Arial" panose="020B0604020202020204" pitchFamily="34" charset="0"/>
-                        </a:rPr>
-                        <a:t>Testes de Usabilidade</a:t>
-                      </a:r>
-                      <a:endParaRPr lang="pt-BR" sz="2200">
-                        <a:effectLst/>
-                        <a:latin typeface="Arial" panose="020B0604020202020204" pitchFamily="34" charset="0"/>
-                        <a:cs typeface="Arial" panose="020B0604020202020204" pitchFamily="34" charset="0"/>
-                      </a:endParaRPr>
-                    </a:p>
-                  </a:txBody>
-                  <a:tcPr anchor="ctr"/>
-                </a:tc>
-                <a:tc>
-                  <a:txBody>
-                    <a:bodyPr/>
-                    <a:lstStyle/>
-                    <a:p>
-                      <a:r>
-                        <a:rPr lang="pt-BR" sz="2200" dirty="0">
-                          <a:effectLst/>
-                          <a:latin typeface="Arial" panose="020B0604020202020204" pitchFamily="34" charset="0"/>
-                          <a:cs typeface="Arial" panose="020B0604020202020204" pitchFamily="34" charset="0"/>
-                        </a:rPr>
-                        <a:t>Verificam a experiência do usuário.</a:t>
-                      </a:r>
-                    </a:p>
-                  </a:txBody>
-                  <a:tcPr anchor="ctr"/>
-                </a:tc>
-                <a:tc>
-                  <a:txBody>
-                    <a:bodyPr/>
-                    <a:lstStyle/>
-                    <a:p>
-                      <a:r>
-                        <a:rPr lang="pt-BR" sz="2200">
-                          <a:effectLst/>
-                          <a:latin typeface="Arial" panose="020B0604020202020204" pitchFamily="34" charset="0"/>
-                          <a:cs typeface="Arial" panose="020B0604020202020204" pitchFamily="34" charset="0"/>
-                        </a:rPr>
-                        <a:t>Avaliar se o sistema é intuitivo e fácil de usar.</a:t>
-                      </a:r>
-                    </a:p>
-                  </a:txBody>
-                  <a:tcPr anchor="ctr"/>
-                </a:tc>
-                <a:extLst>
-                  <a:ext uri="{0D108BD9-81ED-4DB2-BD59-A6C34878D82A}">
-                    <a16:rowId xmlns:a16="http://schemas.microsoft.com/office/drawing/2014/main" val="2613691795"/>
-                  </a:ext>
-                </a:extLst>
-              </a:tr>
-              <a:tr h="0">
-                <a:tc>
-                  <a:txBody>
-                    <a:bodyPr/>
-                    <a:lstStyle/>
-                    <a:p>
-                      <a:r>
-                        <a:rPr lang="pt-BR" sz="2200" b="1">
-                          <a:effectLst/>
-                          <a:latin typeface="Arial" panose="020B0604020202020204" pitchFamily="34" charset="0"/>
-                          <a:cs typeface="Arial" panose="020B0604020202020204" pitchFamily="34" charset="0"/>
-                        </a:rPr>
-                        <a:t>Testes de Compatibilidade</a:t>
-                      </a:r>
-                      <a:endParaRPr lang="pt-BR" sz="2200">
-                        <a:effectLst/>
-                        <a:latin typeface="Arial" panose="020B0604020202020204" pitchFamily="34" charset="0"/>
-                        <a:cs typeface="Arial" panose="020B0604020202020204" pitchFamily="34" charset="0"/>
-                      </a:endParaRPr>
-                    </a:p>
-                  </a:txBody>
-                  <a:tcPr anchor="ctr"/>
-                </a:tc>
-                <a:tc>
-                  <a:txBody>
-                    <a:bodyPr/>
-                    <a:lstStyle/>
-                    <a:p>
-                      <a:r>
-                        <a:rPr lang="pt-BR" sz="2200">
-                          <a:effectLst/>
-                          <a:latin typeface="Arial" panose="020B0604020202020204" pitchFamily="34" charset="0"/>
-                          <a:cs typeface="Arial" panose="020B0604020202020204" pitchFamily="34" charset="0"/>
-                        </a:rPr>
-                        <a:t>Verificam se o sistema funciona em diferentes dispositivos e navegadores.</a:t>
-                      </a:r>
-                    </a:p>
-                  </a:txBody>
-                  <a:tcPr anchor="ctr"/>
-                </a:tc>
-                <a:tc>
-                  <a:txBody>
-                    <a:bodyPr/>
-                    <a:lstStyle/>
-                    <a:p>
-                      <a:r>
-                        <a:rPr lang="pt-BR" sz="2200" dirty="0">
-                          <a:effectLst/>
-                          <a:latin typeface="Arial" panose="020B0604020202020204" pitchFamily="34" charset="0"/>
-                          <a:cs typeface="Arial" panose="020B0604020202020204" pitchFamily="34" charset="0"/>
-                        </a:rPr>
-                        <a:t>Testar o site em Chrome, Firefox e mobile.</a:t>
-                      </a:r>
-                    </a:p>
-                  </a:txBody>
-                  <a:tcPr anchor="ctr"/>
-                </a:tc>
-                <a:extLst>
-                  <a:ext uri="{0D108BD9-81ED-4DB2-BD59-A6C34878D82A}">
-                    <a16:rowId xmlns:a16="http://schemas.microsoft.com/office/drawing/2014/main" val="2249406754"/>
-                  </a:ext>
-                </a:extLst>
-              </a:tr>
-            </a:tbl>
-          </a:graphicData>
-        </a:graphic>
-      </p:graphicFrame>
-    </p:spTree>
-    <p:extLst>
-      <p:ext uri="{BB962C8B-B14F-4D97-AF65-F5344CB8AC3E}">
-        <p14:creationId xmlns:p14="http://schemas.microsoft.com/office/powerpoint/2010/main" val="291230337"/>
-      </p:ext>
-    </p:extLst>
-  </p:cSld>
-  <p:clrMapOvr>
-    <a:masterClrMapping/>
-  </p:clrMapOvr>
-</p:sld>
-</file>
-
-<file path=ppt/slides/slide13.xml><?xml version="1.0" encoding="utf-8"?>
-<p:sld xmlns:a="http://schemas.openxmlformats.org/drawingml/2006/main" xmlns:r="http://schemas.openxmlformats.org/officeDocument/2006/relationships" xmlns:p="http://schemas.openxmlformats.org/presentationml/2006/main">
-  <p:cSld>
-    <p:spTree>
-      <p:nvGrpSpPr>
-        <p:cNvPr id="1" name="">
-          <a:extLst>
-            <a:ext uri="{FF2B5EF4-FFF2-40B4-BE49-F238E27FC236}">
-              <a16:creationId xmlns:a16="http://schemas.microsoft.com/office/drawing/2014/main" id="{E96780F4-228E-0B0B-7BF9-FB4946FC6086}"/>
-            </a:ext>
-          </a:extLst>
-        </p:cNvPr>
-        <p:cNvGrpSpPr/>
-        <p:nvPr/>
-      </p:nvGrpSpPr>
-      <p:grpSpPr>
-        <a:xfrm>
-          <a:off x="0" y="0"/>
-          <a:ext cx="0" cy="0"/>
-          <a:chOff x="0" y="0"/>
-          <a:chExt cx="0" cy="0"/>
-        </a:xfrm>
-      </p:grpSpPr>
-      <p:pic>
-        <p:nvPicPr>
-          <p:cNvPr id="9" name="Picture 4" descr="Não perca: nova turma do curso de Mestre de Obras em Campinas | Sinduscon-SP">
-            <a:extLst>
-              <a:ext uri="{FF2B5EF4-FFF2-40B4-BE49-F238E27FC236}">
-                <a16:creationId xmlns:a16="http://schemas.microsoft.com/office/drawing/2014/main" id="{46A90E6C-2F09-2DDA-9628-B614CC3AA9B0}"/>
-              </a:ext>
-            </a:extLst>
-          </p:cNvPr>
-          <p:cNvPicPr>
-            <a:picLocks noChangeAspect="1" noChangeArrowheads="1"/>
-          </p:cNvPicPr>
-          <p:nvPr/>
-        </p:nvPicPr>
-        <p:blipFill>
-          <a:blip r:embed="rId2">
-            <a:extLst>
-              <a:ext uri="{28A0092B-C50C-407E-A947-70E740481C1C}">
-                <a14:useLocalDpi xmlns:a14="http://schemas.microsoft.com/office/drawing/2010/main" val="0"/>
-              </a:ext>
-            </a:extLst>
-          </a:blip>
-          <a:srcRect/>
-          <a:stretch>
-            <a:fillRect/>
-          </a:stretch>
-        </p:blipFill>
-        <p:spPr bwMode="auto">
-          <a:xfrm>
-            <a:off x="9731829" y="6232541"/>
-            <a:ext cx="2460171" cy="624717"/>
-          </a:xfrm>
-          <a:prstGeom prst="rect">
-            <a:avLst/>
-          </a:prstGeom>
-          <a:noFill/>
-          <a:extLst>
-            <a:ext uri="{909E8E84-426E-40DD-AFC4-6F175D3DCCD1}">
-              <a14:hiddenFill xmlns:a14="http://schemas.microsoft.com/office/drawing/2010/main">
-                <a:solidFill>
-                  <a:srgbClr val="FFFFFF"/>
-                </a:solidFill>
-              </a14:hiddenFill>
-            </a:ext>
-          </a:extLst>
-        </p:spPr>
-      </p:pic>
-      <p:sp>
-        <p:nvSpPr>
-          <p:cNvPr id="11" name="Título 6">
-            <a:extLst>
-              <a:ext uri="{FF2B5EF4-FFF2-40B4-BE49-F238E27FC236}">
-                <a16:creationId xmlns:a16="http://schemas.microsoft.com/office/drawing/2014/main" id="{4ED5AA6E-549B-6DA6-CB4A-DA0750E758D6}"/>
-              </a:ext>
-            </a:extLst>
-          </p:cNvPr>
-          <p:cNvSpPr txBox="1">
-            <a:spLocks/>
-          </p:cNvSpPr>
-          <p:nvPr/>
-        </p:nvSpPr>
-        <p:spPr>
-          <a:xfrm>
-            <a:off x="432000" y="279138"/>
-            <a:ext cx="11328000" cy="432000"/>
-          </a:xfrm>
-          <a:prstGeom prst="rect">
-            <a:avLst/>
-          </a:prstGeom>
-        </p:spPr>
-        <p:txBody>
-          <a:bodyPr vert="horz" lIns="0" tIns="0" rIns="0" bIns="0" rtlCol="0" anchor="ctr">
-            <a:noAutofit/>
-          </a:bodyPr>
-          <a:lstStyle>
-            <a:lvl1pPr algn="l" defTabSz="914400" rtl="0" eaLnBrk="1" latinLnBrk="0" hangingPunct="1">
-              <a:lnSpc>
-                <a:spcPct val="90000"/>
-              </a:lnSpc>
-              <a:spcBef>
-                <a:spcPct val="0"/>
-              </a:spcBef>
-              <a:buNone/>
-              <a:defRPr sz="3200" b="1" kern="1200" spc="-150">
-                <a:solidFill>
-                  <a:schemeClr val="tx1">
-                    <a:lumMod val="75000"/>
-                    <a:lumOff val="25000"/>
-                  </a:schemeClr>
-                </a:solidFill>
-                <a:latin typeface="+mj-lt"/>
-                <a:ea typeface="+mj-ea"/>
-                <a:cs typeface="+mj-cs"/>
-              </a:defRPr>
-            </a:lvl1pPr>
-          </a:lstStyle>
-          <a:p>
-            <a:r>
-              <a:rPr lang="pt-BR" dirty="0">
-                <a:solidFill>
-                  <a:srgbClr val="C00000"/>
-                </a:solidFill>
-                <a:latin typeface="Arial" panose="020B0604020202020204" pitchFamily="34" charset="0"/>
-                <a:ea typeface="Cambria" panose="02040503050406030204" pitchFamily="18" charset="0"/>
-                <a:cs typeface="Arial" panose="020B0604020202020204" pitchFamily="34" charset="0"/>
-              </a:rPr>
-              <a:t>Teste de Sistema - Processo</a:t>
-            </a:r>
-          </a:p>
-        </p:txBody>
-      </p:sp>
-      <p:sp>
-        <p:nvSpPr>
-          <p:cNvPr id="4" name="CaixaDeTexto 3">
-            <a:extLst>
-              <a:ext uri="{FF2B5EF4-FFF2-40B4-BE49-F238E27FC236}">
-                <a16:creationId xmlns:a16="http://schemas.microsoft.com/office/drawing/2014/main" id="{47E868DE-49DE-CCC8-3AE1-37E90508B081}"/>
-              </a:ext>
-            </a:extLst>
-          </p:cNvPr>
-          <p:cNvSpPr txBox="1"/>
-          <p:nvPr/>
-        </p:nvSpPr>
-        <p:spPr>
-          <a:xfrm>
-            <a:off x="432000" y="848981"/>
-            <a:ext cx="11209494" cy="5107873"/>
-          </a:xfrm>
-          <a:prstGeom prst="rect">
-            <a:avLst/>
-          </a:prstGeom>
-          <a:noFill/>
-        </p:spPr>
-        <p:txBody>
-          <a:bodyPr wrap="square">
-            <a:spAutoFit/>
-          </a:bodyPr>
-          <a:lstStyle/>
-          <a:p>
-            <a:pPr>
-              <a:lnSpc>
-                <a:spcPct val="150000"/>
-              </a:lnSpc>
-            </a:pPr>
-            <a:endParaRPr lang="pt-BR" sz="2200" b="1" dirty="0">
-              <a:latin typeface="Arial" panose="020B0604020202020204" pitchFamily="34" charset="0"/>
-              <a:cs typeface="Arial" panose="020B0604020202020204" pitchFamily="34" charset="0"/>
-            </a:endParaRPr>
-          </a:p>
-          <a:p>
-            <a:pPr>
-              <a:lnSpc>
-                <a:spcPct val="150000"/>
-              </a:lnSpc>
-              <a:buFont typeface="+mj-lt"/>
-              <a:buAutoNum type="arabicPeriod"/>
-            </a:pPr>
-            <a:r>
-              <a:rPr lang="pt-BR" sz="2200" b="1" dirty="0">
-                <a:latin typeface="Arial" panose="020B0604020202020204" pitchFamily="34" charset="0"/>
-                <a:cs typeface="Arial" panose="020B0604020202020204" pitchFamily="34" charset="0"/>
-              </a:rPr>
-              <a:t>Planejamento</a:t>
-            </a:r>
-            <a:r>
-              <a:rPr lang="pt-BR" sz="2200" dirty="0">
-                <a:latin typeface="Arial" panose="020B0604020202020204" pitchFamily="34" charset="0"/>
-                <a:cs typeface="Arial" panose="020B0604020202020204" pitchFamily="34" charset="0"/>
-              </a:rPr>
-              <a:t>: Definição dos objetivos, escopo e estratégia de teste.</a:t>
-            </a:r>
-          </a:p>
-          <a:p>
-            <a:pPr>
-              <a:lnSpc>
-                <a:spcPct val="150000"/>
-              </a:lnSpc>
-              <a:buFont typeface="+mj-lt"/>
-              <a:buAutoNum type="arabicPeriod"/>
-            </a:pPr>
-            <a:r>
-              <a:rPr lang="pt-BR" sz="2200" b="1" dirty="0">
-                <a:latin typeface="Arial" panose="020B0604020202020204" pitchFamily="34" charset="0"/>
-                <a:cs typeface="Arial" panose="020B0604020202020204" pitchFamily="34" charset="0"/>
-              </a:rPr>
-              <a:t>Criação de Casos de Teste</a:t>
-            </a:r>
-            <a:r>
-              <a:rPr lang="pt-BR" sz="2200" dirty="0">
-                <a:latin typeface="Arial" panose="020B0604020202020204" pitchFamily="34" charset="0"/>
-                <a:cs typeface="Arial" panose="020B0604020202020204" pitchFamily="34" charset="0"/>
-              </a:rPr>
-              <a:t>: Desenvolver cenários detalhados para execução.</a:t>
-            </a:r>
-          </a:p>
-          <a:p>
-            <a:pPr>
-              <a:lnSpc>
-                <a:spcPct val="150000"/>
-              </a:lnSpc>
-              <a:buFont typeface="+mj-lt"/>
-              <a:buAutoNum type="arabicPeriod"/>
-            </a:pPr>
-            <a:r>
-              <a:rPr lang="pt-BR" sz="2200" b="1" dirty="0">
-                <a:latin typeface="Arial" panose="020B0604020202020204" pitchFamily="34" charset="0"/>
-                <a:cs typeface="Arial" panose="020B0604020202020204" pitchFamily="34" charset="0"/>
-              </a:rPr>
-              <a:t>Execução dos Testes</a:t>
-            </a:r>
-            <a:r>
-              <a:rPr lang="pt-BR" sz="2200" dirty="0">
-                <a:latin typeface="Arial" panose="020B0604020202020204" pitchFamily="34" charset="0"/>
-                <a:cs typeface="Arial" panose="020B0604020202020204" pitchFamily="34" charset="0"/>
-              </a:rPr>
-              <a:t>: Rodar os casos de teste e registrar os resultados.</a:t>
-            </a:r>
-          </a:p>
-          <a:p>
-            <a:pPr>
-              <a:lnSpc>
-                <a:spcPct val="150000"/>
-              </a:lnSpc>
-              <a:buFont typeface="+mj-lt"/>
-              <a:buAutoNum type="arabicPeriod"/>
-            </a:pPr>
-            <a:r>
-              <a:rPr lang="pt-BR" sz="2200" b="1" dirty="0">
-                <a:latin typeface="Arial" panose="020B0604020202020204" pitchFamily="34" charset="0"/>
-                <a:cs typeface="Arial" panose="020B0604020202020204" pitchFamily="34" charset="0"/>
-              </a:rPr>
-              <a:t>Análise dos Resultados</a:t>
-            </a:r>
-            <a:r>
-              <a:rPr lang="pt-BR" sz="2200" dirty="0">
-                <a:latin typeface="Arial" panose="020B0604020202020204" pitchFamily="34" charset="0"/>
-                <a:cs typeface="Arial" panose="020B0604020202020204" pitchFamily="34" charset="0"/>
-              </a:rPr>
-              <a:t>: Identificar falhas e reportar problemas.</a:t>
-            </a:r>
-          </a:p>
-          <a:p>
-            <a:pPr>
-              <a:lnSpc>
-                <a:spcPct val="150000"/>
-              </a:lnSpc>
-              <a:buFont typeface="+mj-lt"/>
-              <a:buAutoNum type="arabicPeriod"/>
-            </a:pPr>
-            <a:r>
-              <a:rPr lang="pt-BR" sz="2200" b="1" dirty="0">
-                <a:latin typeface="Arial" panose="020B0604020202020204" pitchFamily="34" charset="0"/>
-                <a:cs typeface="Arial" panose="020B0604020202020204" pitchFamily="34" charset="0"/>
-              </a:rPr>
-              <a:t>Correção e Reavaliação</a:t>
-            </a:r>
-            <a:r>
-              <a:rPr lang="pt-BR" sz="2200" dirty="0">
-                <a:latin typeface="Arial" panose="020B0604020202020204" pitchFamily="34" charset="0"/>
-                <a:cs typeface="Arial" panose="020B0604020202020204" pitchFamily="34" charset="0"/>
-              </a:rPr>
-              <a:t>: Ajustar o sistema e retestar conforme necessário.</a:t>
-            </a:r>
-          </a:p>
-          <a:p>
-            <a:pPr>
-              <a:lnSpc>
-                <a:spcPct val="150000"/>
-              </a:lnSpc>
-              <a:buFont typeface="+mj-lt"/>
-              <a:buAutoNum type="arabicPeriod"/>
-            </a:pPr>
-            <a:r>
-              <a:rPr lang="pt-BR" sz="2200" b="1" dirty="0">
-                <a:latin typeface="Arial" panose="020B0604020202020204" pitchFamily="34" charset="0"/>
-                <a:cs typeface="Arial" panose="020B0604020202020204" pitchFamily="34" charset="0"/>
-              </a:rPr>
-              <a:t>Validação Final</a:t>
-            </a:r>
-            <a:r>
-              <a:rPr lang="pt-BR" sz="2200" dirty="0">
-                <a:latin typeface="Arial" panose="020B0604020202020204" pitchFamily="34" charset="0"/>
-                <a:cs typeface="Arial" panose="020B0604020202020204" pitchFamily="34" charset="0"/>
-              </a:rPr>
-              <a:t>: Garantir que o sistema está pronto para produção.</a:t>
-            </a:r>
-          </a:p>
-          <a:p>
-            <a:pPr>
-              <a:lnSpc>
-                <a:spcPct val="150000"/>
-              </a:lnSpc>
-            </a:pPr>
-            <a:r>
-              <a:rPr lang="pt-BR" sz="2200" dirty="0">
-                <a:latin typeface="Arial" panose="020B0604020202020204" pitchFamily="34" charset="0"/>
-                <a:cs typeface="Arial" panose="020B0604020202020204" pitchFamily="34" charset="0"/>
-              </a:rPr>
-              <a:t>Exemplo de mercado:</a:t>
-            </a:r>
-          </a:p>
-          <a:p>
-            <a:pPr>
-              <a:lnSpc>
-                <a:spcPct val="150000"/>
-              </a:lnSpc>
-              <a:buFont typeface="Arial" panose="020B0604020202020204" pitchFamily="34" charset="0"/>
-              <a:buChar char="•"/>
-            </a:pPr>
-            <a:r>
-              <a:rPr lang="pt-BR" sz="2200" b="1" dirty="0">
-                <a:latin typeface="Arial" panose="020B0604020202020204" pitchFamily="34" charset="0"/>
-                <a:cs typeface="Arial" panose="020B0604020202020204" pitchFamily="34" charset="0"/>
-              </a:rPr>
-              <a:t>ERP Empresarial</a:t>
-            </a:r>
-            <a:r>
-              <a:rPr lang="pt-BR" sz="2200" dirty="0">
-                <a:latin typeface="Arial" panose="020B0604020202020204" pitchFamily="34" charset="0"/>
-                <a:cs typeface="Arial" panose="020B0604020202020204" pitchFamily="34" charset="0"/>
-              </a:rPr>
-              <a:t>: Testar todos os módulos antes de implantação para evitar falhas nos processos internos.</a:t>
-            </a:r>
-          </a:p>
-        </p:txBody>
-      </p:sp>
-    </p:spTree>
-    <p:extLst>
-      <p:ext uri="{BB962C8B-B14F-4D97-AF65-F5344CB8AC3E}">
-        <p14:creationId xmlns:p14="http://schemas.microsoft.com/office/powerpoint/2010/main" val="1379195215"/>
-      </p:ext>
-    </p:extLst>
-  </p:cSld>
-  <p:clrMapOvr>
-    <a:masterClrMapping/>
-  </p:clrMapOvr>
-</p:sld>
-</file>
-
-<file path=ppt/slides/slide14.xml><?xml version="1.0" encoding="utf-8"?>
+<file path=ppt/slides/slide11.xml><?xml version="1.0" encoding="utf-8"?>
 <p:sld xmlns:a="http://schemas.openxmlformats.org/drawingml/2006/main" xmlns:r="http://schemas.openxmlformats.org/officeDocument/2006/relationships" xmlns:p="http://schemas.openxmlformats.org/presentationml/2006/main">
   <p:cSld>
     <p:spTree>
@@ -9561,297 +8467,7 @@
 </p:sld>
 </file>
 
-<file path=ppt/slides/slide15.xml><?xml version="1.0" encoding="utf-8"?>
-<p:sld xmlns:a="http://schemas.openxmlformats.org/drawingml/2006/main" xmlns:r="http://schemas.openxmlformats.org/officeDocument/2006/relationships" xmlns:p="http://schemas.openxmlformats.org/presentationml/2006/main">
-  <p:cSld>
-    <p:spTree>
-      <p:nvGrpSpPr>
-        <p:cNvPr id="1" name="">
-          <a:extLst>
-            <a:ext uri="{FF2B5EF4-FFF2-40B4-BE49-F238E27FC236}">
-              <a16:creationId xmlns:a16="http://schemas.microsoft.com/office/drawing/2014/main" id="{E627E6FD-660E-6F17-23D4-D9535AE8EE2E}"/>
-            </a:ext>
-          </a:extLst>
-        </p:cNvPr>
-        <p:cNvGrpSpPr/>
-        <p:nvPr/>
-      </p:nvGrpSpPr>
-      <p:grpSpPr>
-        <a:xfrm>
-          <a:off x="0" y="0"/>
-          <a:ext cx="0" cy="0"/>
-          <a:chOff x="0" y="0"/>
-          <a:chExt cx="0" cy="0"/>
-        </a:xfrm>
-      </p:grpSpPr>
-      <p:pic>
-        <p:nvPicPr>
-          <p:cNvPr id="9" name="Picture 4" descr="Não perca: nova turma do curso de Mestre de Obras em Campinas | Sinduscon-SP">
-            <a:extLst>
-              <a:ext uri="{FF2B5EF4-FFF2-40B4-BE49-F238E27FC236}">
-                <a16:creationId xmlns:a16="http://schemas.microsoft.com/office/drawing/2014/main" id="{6A524A23-AAC8-0463-E912-3C2ADA90F2C4}"/>
-              </a:ext>
-            </a:extLst>
-          </p:cNvPr>
-          <p:cNvPicPr>
-            <a:picLocks noChangeAspect="1" noChangeArrowheads="1"/>
-          </p:cNvPicPr>
-          <p:nvPr/>
-        </p:nvPicPr>
-        <p:blipFill>
-          <a:blip r:embed="rId2">
-            <a:extLst>
-              <a:ext uri="{28A0092B-C50C-407E-A947-70E740481C1C}">
-                <a14:useLocalDpi xmlns:a14="http://schemas.microsoft.com/office/drawing/2010/main" val="0"/>
-              </a:ext>
-            </a:extLst>
-          </a:blip>
-          <a:srcRect/>
-          <a:stretch>
-            <a:fillRect/>
-          </a:stretch>
-        </p:blipFill>
-        <p:spPr bwMode="auto">
-          <a:xfrm>
-            <a:off x="9731829" y="6232541"/>
-            <a:ext cx="2460171" cy="624717"/>
-          </a:xfrm>
-          <a:prstGeom prst="rect">
-            <a:avLst/>
-          </a:prstGeom>
-          <a:noFill/>
-          <a:extLst>
-            <a:ext uri="{909E8E84-426E-40DD-AFC4-6F175D3DCCD1}">
-              <a14:hiddenFill xmlns:a14="http://schemas.microsoft.com/office/drawing/2010/main">
-                <a:solidFill>
-                  <a:srgbClr val="FFFFFF"/>
-                </a:solidFill>
-              </a14:hiddenFill>
-            </a:ext>
-          </a:extLst>
-        </p:spPr>
-      </p:pic>
-      <p:sp>
-        <p:nvSpPr>
-          <p:cNvPr id="11" name="Título 6">
-            <a:extLst>
-              <a:ext uri="{FF2B5EF4-FFF2-40B4-BE49-F238E27FC236}">
-                <a16:creationId xmlns:a16="http://schemas.microsoft.com/office/drawing/2014/main" id="{FADA09AC-6135-8559-D159-6F14EBF1FADD}"/>
-              </a:ext>
-            </a:extLst>
-          </p:cNvPr>
-          <p:cNvSpPr txBox="1">
-            <a:spLocks/>
-          </p:cNvSpPr>
-          <p:nvPr/>
-        </p:nvSpPr>
-        <p:spPr>
-          <a:xfrm>
-            <a:off x="432000" y="279138"/>
-            <a:ext cx="11328000" cy="432000"/>
-          </a:xfrm>
-          <a:prstGeom prst="rect">
-            <a:avLst/>
-          </a:prstGeom>
-        </p:spPr>
-        <p:txBody>
-          <a:bodyPr vert="horz" lIns="0" tIns="0" rIns="0" bIns="0" rtlCol="0" anchor="ctr">
-            <a:noAutofit/>
-          </a:bodyPr>
-          <a:lstStyle>
-            <a:lvl1pPr algn="l" defTabSz="914400" rtl="0" eaLnBrk="1" latinLnBrk="0" hangingPunct="1">
-              <a:lnSpc>
-                <a:spcPct val="90000"/>
-              </a:lnSpc>
-              <a:spcBef>
-                <a:spcPct val="0"/>
-              </a:spcBef>
-              <a:buNone/>
-              <a:defRPr sz="3200" b="1" kern="1200" spc="-150">
-                <a:solidFill>
-                  <a:schemeClr val="tx1">
-                    <a:lumMod val="75000"/>
-                    <a:lumOff val="25000"/>
-                  </a:schemeClr>
-                </a:solidFill>
-                <a:latin typeface="+mj-lt"/>
-                <a:ea typeface="+mj-ea"/>
-                <a:cs typeface="+mj-cs"/>
-              </a:defRPr>
-            </a:lvl1pPr>
-          </a:lstStyle>
-          <a:p>
-            <a:r>
-              <a:rPr lang="pt-BR" dirty="0">
-                <a:solidFill>
-                  <a:srgbClr val="C00000"/>
-                </a:solidFill>
-                <a:latin typeface="Arial" panose="020B0604020202020204" pitchFamily="34" charset="0"/>
-                <a:ea typeface="Cambria" panose="02040503050406030204" pitchFamily="18" charset="0"/>
-                <a:cs typeface="Arial" panose="020B0604020202020204" pitchFamily="34" charset="0"/>
-              </a:rPr>
-              <a:t>Teste de Sistema - Processo</a:t>
-            </a:r>
-          </a:p>
-        </p:txBody>
-      </p:sp>
-      <p:sp>
-        <p:nvSpPr>
-          <p:cNvPr id="4" name="CaixaDeTexto 3">
-            <a:extLst>
-              <a:ext uri="{FF2B5EF4-FFF2-40B4-BE49-F238E27FC236}">
-                <a16:creationId xmlns:a16="http://schemas.microsoft.com/office/drawing/2014/main" id="{211BD349-4567-0071-32CF-4CD28ACEB785}"/>
-              </a:ext>
-            </a:extLst>
-          </p:cNvPr>
-          <p:cNvSpPr txBox="1"/>
-          <p:nvPr/>
-        </p:nvSpPr>
-        <p:spPr>
-          <a:xfrm>
-            <a:off x="432000" y="848981"/>
-            <a:ext cx="11209494" cy="3404265"/>
-          </a:xfrm>
-          <a:prstGeom prst="rect">
-            <a:avLst/>
-          </a:prstGeom>
-          <a:noFill/>
-        </p:spPr>
-        <p:txBody>
-          <a:bodyPr wrap="square">
-            <a:spAutoFit/>
-          </a:bodyPr>
-          <a:lstStyle/>
-          <a:p>
-            <a:pPr>
-              <a:lnSpc>
-                <a:spcPct val="150000"/>
-              </a:lnSpc>
-            </a:pPr>
-            <a:endParaRPr lang="pt-BR" sz="2200" b="1" dirty="0">
-              <a:latin typeface="Arial" panose="020B0604020202020204" pitchFamily="34" charset="0"/>
-              <a:cs typeface="Arial" panose="020B0604020202020204" pitchFamily="34" charset="0"/>
-            </a:endParaRPr>
-          </a:p>
-          <a:p>
-            <a:pPr algn="l">
-              <a:lnSpc>
-                <a:spcPct val="150000"/>
-              </a:lnSpc>
-              <a:spcAft>
-                <a:spcPts val="225"/>
-              </a:spcAft>
-            </a:pPr>
-            <a:r>
-              <a:rPr lang="pt-BR" sz="2400" b="1" i="0" dirty="0">
-                <a:effectLst/>
-                <a:latin typeface="Arial" panose="020B0604020202020204" pitchFamily="34" charset="0"/>
-                <a:cs typeface="Arial" panose="020B0604020202020204" pitchFamily="34" charset="0"/>
-              </a:rPr>
-              <a:t>Documentação de Testes:</a:t>
-            </a:r>
-            <a:endParaRPr lang="pt-BR" sz="2400" b="0" i="0" dirty="0">
-              <a:effectLst/>
-              <a:latin typeface="Arial" panose="020B0604020202020204" pitchFamily="34" charset="0"/>
-              <a:cs typeface="Arial" panose="020B0604020202020204" pitchFamily="34" charset="0"/>
-            </a:endParaRPr>
-          </a:p>
-          <a:p>
-            <a:pPr algn="l">
-              <a:lnSpc>
-                <a:spcPct val="150000"/>
-              </a:lnSpc>
-              <a:spcAft>
-                <a:spcPts val="225"/>
-              </a:spcAft>
-              <a:buFont typeface="Arial" panose="020B0604020202020204" pitchFamily="34" charset="0"/>
-              <a:buChar char="•"/>
-            </a:pPr>
-            <a:r>
-              <a:rPr lang="pt-BR" sz="2400" b="0" i="0" dirty="0">
-                <a:effectLst/>
-                <a:latin typeface="Arial" panose="020B0604020202020204" pitchFamily="34" charset="0"/>
-                <a:cs typeface="Arial" panose="020B0604020202020204" pitchFamily="34" charset="0"/>
-              </a:rPr>
-              <a:t>Plano de testes.</a:t>
-            </a:r>
-          </a:p>
-          <a:p>
-            <a:pPr algn="l">
-              <a:lnSpc>
-                <a:spcPct val="150000"/>
-              </a:lnSpc>
-              <a:spcAft>
-                <a:spcPts val="225"/>
-              </a:spcAft>
-              <a:buFont typeface="Arial" panose="020B0604020202020204" pitchFamily="34" charset="0"/>
-              <a:buChar char="•"/>
-            </a:pPr>
-            <a:r>
-              <a:rPr lang="pt-BR" sz="2400" b="0" i="0" dirty="0">
-                <a:effectLst/>
-                <a:latin typeface="Arial" panose="020B0604020202020204" pitchFamily="34" charset="0"/>
-                <a:cs typeface="Arial" panose="020B0604020202020204" pitchFamily="34" charset="0"/>
-              </a:rPr>
-              <a:t>Casos de teste.</a:t>
-            </a:r>
-          </a:p>
-          <a:p>
-            <a:pPr algn="l">
-              <a:lnSpc>
-                <a:spcPct val="150000"/>
-              </a:lnSpc>
-              <a:spcAft>
-                <a:spcPts val="225"/>
-              </a:spcAft>
-              <a:buFont typeface="Arial" panose="020B0604020202020204" pitchFamily="34" charset="0"/>
-              <a:buChar char="•"/>
-            </a:pPr>
-            <a:r>
-              <a:rPr lang="pt-BR" sz="2400" b="0" i="0" dirty="0">
-                <a:effectLst/>
-                <a:latin typeface="Arial" panose="020B0604020202020204" pitchFamily="34" charset="0"/>
-                <a:cs typeface="Arial" panose="020B0604020202020204" pitchFamily="34" charset="0"/>
-              </a:rPr>
-              <a:t>Scripts de teste.</a:t>
-            </a:r>
-          </a:p>
-          <a:p>
-            <a:pPr algn="l">
-              <a:lnSpc>
-                <a:spcPct val="150000"/>
-              </a:lnSpc>
-              <a:spcAft>
-                <a:spcPts val="225"/>
-              </a:spcAft>
-              <a:buFont typeface="Arial" panose="020B0604020202020204" pitchFamily="34" charset="0"/>
-              <a:buChar char="•"/>
-            </a:pPr>
-            <a:r>
-              <a:rPr lang="pt-BR" sz="2400" b="0" i="0" dirty="0">
-                <a:effectLst/>
-                <a:latin typeface="Arial" panose="020B0604020202020204" pitchFamily="34" charset="0"/>
-                <a:cs typeface="Arial" panose="020B0604020202020204" pitchFamily="34" charset="0"/>
-              </a:rPr>
-              <a:t>Relatórios de teste.</a:t>
-            </a:r>
-          </a:p>
-        </p:txBody>
-      </p:sp>
-    </p:spTree>
-    <p:extLst>
-      <p:ext uri="{BB962C8B-B14F-4D97-AF65-F5344CB8AC3E}">
-        <p14:creationId xmlns:p14="http://schemas.microsoft.com/office/powerpoint/2010/main" val="626566095"/>
-      </p:ext>
-    </p:extLst>
-  </p:cSld>
-  <p:clrMapOvr>
-    <a:masterClrMapping/>
-  </p:clrMapOvr>
-</p:sld>
-</file>
-
-<file path=ppt/slides/slide16.xml><?xml version="1.0" encoding="utf-8"?>
+<file path=ppt/slides/slide12.xml><?xml version="1.0" encoding="utf-8"?>
 <p:sld xmlns:a="http://schemas.openxmlformats.org/drawingml/2006/main" xmlns:r="http://schemas.openxmlformats.org/officeDocument/2006/relationships" xmlns:p="http://schemas.openxmlformats.org/presentationml/2006/main">
   <p:cSld>
     <p:spTree>
@@ -11488,7 +10104,7 @@
         <p:spPr>
           <a:xfrm>
             <a:off x="338532" y="2097769"/>
-            <a:ext cx="11104228" cy="2677656"/>
+            <a:ext cx="11104228" cy="3046988"/>
           </a:xfrm>
           <a:prstGeom prst="rect">
             <a:avLst/>
@@ -11523,7 +10139,25 @@
                 <a:latin typeface="Arial" panose="020B0604020202020204" pitchFamily="34" charset="0"/>
                 <a:cs typeface="Arial" panose="020B0604020202020204" pitchFamily="34" charset="0"/>
               </a:rPr>
-              <a:t> são uma fase crítica no ciclo de vida do desenvolvimento de software. Eles avaliam o sistema como um todo, garantindo que todas as funcionalidades estejam funcionando conforme os requisitos especificados. Diferente dos testes unitários (que focam em partes específicas do código) e dos testes de integração (que verificam a interação entre módulos), os testes de sistema simulam o ambiente real de uso, validando o comportamento do software em cenários completos.</a:t>
+              <a:t> são uma fase crítica no ciclo de vida do desenvolvimento de software. Eles avaliam o sistema como um todo, garantindo que todas as funcionalidades estejam funcionando conforme os requisitos especificados.</a:t>
+            </a:r>
+          </a:p>
+          <a:p>
+            <a:pPr algn="l"/>
+            <a:endParaRPr lang="pt-BR" sz="2400" dirty="0">
+              <a:latin typeface="Arial" panose="020B0604020202020204" pitchFamily="34" charset="0"/>
+              <a:cs typeface="Arial" panose="020B0604020202020204" pitchFamily="34" charset="0"/>
+            </a:endParaRPr>
+          </a:p>
+          <a:p>
+            <a:pPr algn="l"/>
+            <a:r>
+              <a:rPr lang="pt-BR" sz="2400" b="0" i="0" dirty="0">
+                <a:effectLst/>
+                <a:latin typeface="Arial" panose="020B0604020202020204" pitchFamily="34" charset="0"/>
+                <a:cs typeface="Arial" panose="020B0604020202020204" pitchFamily="34" charset="0"/>
+              </a:rPr>
+              <a:t>Diferente dos testes unitários (que focam em partes específicas do código) e dos testes de integração (que verificam a interação entre módulos), os testes de sistema simulam o ambiente real de uso, validando o comportamento do software em cenários completos.</a:t>
             </a:r>
           </a:p>
         </p:txBody>
@@ -11542,6 +10176,268 @@
 </file>
 
 <file path=ppt/slides/slide5.xml><?xml version="1.0" encoding="utf-8"?>
+<p:sld xmlns:a="http://schemas.openxmlformats.org/drawingml/2006/main" xmlns:r="http://schemas.openxmlformats.org/officeDocument/2006/relationships" xmlns:p="http://schemas.openxmlformats.org/presentationml/2006/main">
+  <p:cSld>
+    <p:spTree>
+      <p:nvGrpSpPr>
+        <p:cNvPr id="1" name="">
+          <a:extLst>
+            <a:ext uri="{FF2B5EF4-FFF2-40B4-BE49-F238E27FC236}">
+              <a16:creationId xmlns:a16="http://schemas.microsoft.com/office/drawing/2014/main" id="{FFCD9414-F9F8-1376-5AAD-0E307D37594E}"/>
+            </a:ext>
+          </a:extLst>
+        </p:cNvPr>
+        <p:cNvGrpSpPr/>
+        <p:nvPr/>
+      </p:nvGrpSpPr>
+      <p:grpSpPr>
+        <a:xfrm>
+          <a:off x="0" y="0"/>
+          <a:ext cx="0" cy="0"/>
+          <a:chOff x="0" y="0"/>
+          <a:chExt cx="0" cy="0"/>
+        </a:xfrm>
+      </p:grpSpPr>
+      <p:pic>
+        <p:nvPicPr>
+          <p:cNvPr id="9" name="Picture 4" descr="Não perca: nova turma do curso de Mestre de Obras em Campinas | Sinduscon-SP">
+            <a:extLst>
+              <a:ext uri="{FF2B5EF4-FFF2-40B4-BE49-F238E27FC236}">
+                <a16:creationId xmlns:a16="http://schemas.microsoft.com/office/drawing/2014/main" id="{68F05980-C4B1-58B6-5278-DCFDB037EE06}"/>
+              </a:ext>
+            </a:extLst>
+          </p:cNvPr>
+          <p:cNvPicPr>
+            <a:picLocks noChangeAspect="1" noChangeArrowheads="1"/>
+          </p:cNvPicPr>
+          <p:nvPr/>
+        </p:nvPicPr>
+        <p:blipFill>
+          <a:blip r:embed="rId2">
+            <a:extLst>
+              <a:ext uri="{28A0092B-C50C-407E-A947-70E740481C1C}">
+                <a14:useLocalDpi xmlns:a14="http://schemas.microsoft.com/office/drawing/2010/main" val="0"/>
+              </a:ext>
+            </a:extLst>
+          </a:blip>
+          <a:srcRect/>
+          <a:stretch>
+            <a:fillRect/>
+          </a:stretch>
+        </p:blipFill>
+        <p:spPr bwMode="auto">
+          <a:xfrm>
+            <a:off x="9731829" y="6232541"/>
+            <a:ext cx="2460171" cy="624717"/>
+          </a:xfrm>
+          <a:prstGeom prst="rect">
+            <a:avLst/>
+          </a:prstGeom>
+          <a:noFill/>
+          <a:extLst>
+            <a:ext uri="{909E8E84-426E-40DD-AFC4-6F175D3DCCD1}">
+              <a14:hiddenFill xmlns:a14="http://schemas.microsoft.com/office/drawing/2010/main">
+                <a:solidFill>
+                  <a:srgbClr val="FFFFFF"/>
+                </a:solidFill>
+              </a14:hiddenFill>
+            </a:ext>
+          </a:extLst>
+        </p:spPr>
+      </p:pic>
+      <p:sp>
+        <p:nvSpPr>
+          <p:cNvPr id="11" name="Título 6">
+            <a:extLst>
+              <a:ext uri="{FF2B5EF4-FFF2-40B4-BE49-F238E27FC236}">
+                <a16:creationId xmlns:a16="http://schemas.microsoft.com/office/drawing/2014/main" id="{280C12CD-608F-44F8-B05D-0D4DB60EE216}"/>
+              </a:ext>
+            </a:extLst>
+          </p:cNvPr>
+          <p:cNvSpPr txBox="1">
+            <a:spLocks/>
+          </p:cNvSpPr>
+          <p:nvPr/>
+        </p:nvSpPr>
+        <p:spPr>
+          <a:xfrm>
+            <a:off x="432000" y="254807"/>
+            <a:ext cx="11328000" cy="432000"/>
+          </a:xfrm>
+          <a:prstGeom prst="rect">
+            <a:avLst/>
+          </a:prstGeom>
+        </p:spPr>
+        <p:txBody>
+          <a:bodyPr vert="horz" lIns="0" tIns="0" rIns="0" bIns="0" rtlCol="0" anchor="ctr">
+            <a:noAutofit/>
+          </a:bodyPr>
+          <a:lstStyle>
+            <a:lvl1pPr algn="l" defTabSz="914400" rtl="0" eaLnBrk="1" latinLnBrk="0" hangingPunct="1">
+              <a:lnSpc>
+                <a:spcPct val="90000"/>
+              </a:lnSpc>
+              <a:spcBef>
+                <a:spcPct val="0"/>
+              </a:spcBef>
+              <a:buNone/>
+              <a:defRPr sz="3200" b="1" kern="1200" spc="-150">
+                <a:solidFill>
+                  <a:schemeClr val="tx1">
+                    <a:lumMod val="75000"/>
+                    <a:lumOff val="25000"/>
+                  </a:schemeClr>
+                </a:solidFill>
+                <a:latin typeface="+mj-lt"/>
+                <a:ea typeface="+mj-ea"/>
+                <a:cs typeface="+mj-cs"/>
+              </a:defRPr>
+            </a:lvl1pPr>
+          </a:lstStyle>
+          <a:p>
+            <a:r>
+              <a:rPr lang="pt-BR" dirty="0">
+                <a:solidFill>
+                  <a:srgbClr val="C00000"/>
+                </a:solidFill>
+                <a:latin typeface="Arial" panose="020B0604020202020204" pitchFamily="34" charset="0"/>
+                <a:ea typeface="Cambria" panose="02040503050406030204" pitchFamily="18" charset="0"/>
+                <a:cs typeface="Arial" panose="020B0604020202020204" pitchFamily="34" charset="0"/>
+              </a:rPr>
+              <a:t>Teste de Sistema</a:t>
+            </a:r>
+          </a:p>
+        </p:txBody>
+      </p:sp>
+      <p:sp>
+        <p:nvSpPr>
+          <p:cNvPr id="2" name="Retângulo 1">
+            <a:extLst>
+              <a:ext uri="{FF2B5EF4-FFF2-40B4-BE49-F238E27FC236}">
+                <a16:creationId xmlns:a16="http://schemas.microsoft.com/office/drawing/2014/main" id="{C1DEF1C4-2197-3B5A-B987-CCA7710573C4}"/>
+              </a:ext>
+            </a:extLst>
+          </p:cNvPr>
+          <p:cNvSpPr/>
+          <p:nvPr/>
+        </p:nvSpPr>
+        <p:spPr>
+          <a:xfrm>
+            <a:off x="432000" y="982176"/>
+            <a:ext cx="11104228" cy="4893647"/>
+          </a:xfrm>
+          <a:prstGeom prst="rect">
+            <a:avLst/>
+          </a:prstGeom>
+        </p:spPr>
+        <p:txBody>
+          <a:bodyPr wrap="square">
+            <a:spAutoFit/>
+          </a:bodyPr>
+          <a:lstStyle/>
+          <a:p>
+            <a:r>
+              <a:rPr lang="pt-BR" sz="2400" b="1" dirty="0">
+                <a:latin typeface="Arial" panose="020B0604020202020204" pitchFamily="34" charset="0"/>
+                <a:cs typeface="Arial" panose="020B0604020202020204" pitchFamily="34" charset="0"/>
+              </a:rPr>
+              <a:t>Validar a funcionalidade do sistema: </a:t>
+            </a:r>
+            <a:r>
+              <a:rPr lang="pt-BR" sz="2400" dirty="0">
+                <a:latin typeface="Arial" panose="020B0604020202020204" pitchFamily="34" charset="0"/>
+                <a:cs typeface="Arial" panose="020B0604020202020204" pitchFamily="34" charset="0"/>
+              </a:rPr>
+              <a:t>Garantir que todas as funcionalidades operem corretamente e conforme as especificações.</a:t>
+            </a:r>
+          </a:p>
+          <a:p>
+            <a:endParaRPr lang="pt-BR" sz="2400" dirty="0">
+              <a:latin typeface="Arial" panose="020B0604020202020204" pitchFamily="34" charset="0"/>
+              <a:cs typeface="Arial" panose="020B0604020202020204" pitchFamily="34" charset="0"/>
+            </a:endParaRPr>
+          </a:p>
+          <a:p>
+            <a:r>
+              <a:rPr lang="pt-BR" sz="2400" b="1" dirty="0">
+                <a:latin typeface="Arial" panose="020B0604020202020204" pitchFamily="34" charset="0"/>
+                <a:cs typeface="Arial" panose="020B0604020202020204" pitchFamily="34" charset="0"/>
+              </a:rPr>
+              <a:t>Verificar a conformidade com os requisitos</a:t>
+            </a:r>
+            <a:r>
+              <a:rPr lang="pt-BR" sz="2400" dirty="0">
+                <a:latin typeface="Arial" panose="020B0604020202020204" pitchFamily="34" charset="0"/>
+                <a:cs typeface="Arial" panose="020B0604020202020204" pitchFamily="34" charset="0"/>
+              </a:rPr>
+              <a:t>: Assegurar que o sistema atende a todos os requisitos definidos, tanto funcionais (o que o sistema faz) quanto não funcionais (desempenho, segurança, usabilidade, etc.).</a:t>
+            </a:r>
+          </a:p>
+          <a:p>
+            <a:endParaRPr lang="pt-BR" sz="2400" dirty="0">
+              <a:latin typeface="Arial" panose="020B0604020202020204" pitchFamily="34" charset="0"/>
+              <a:cs typeface="Arial" panose="020B0604020202020204" pitchFamily="34" charset="0"/>
+            </a:endParaRPr>
+          </a:p>
+          <a:p>
+            <a:r>
+              <a:rPr lang="pt-BR" sz="2400" b="1" dirty="0">
+                <a:latin typeface="Arial" panose="020B0604020202020204" pitchFamily="34" charset="0"/>
+                <a:cs typeface="Arial" panose="020B0604020202020204" pitchFamily="34" charset="0"/>
+              </a:rPr>
+              <a:t>Avaliar a qualidade geral do sistema: </a:t>
+            </a:r>
+            <a:r>
+              <a:rPr lang="pt-BR" sz="2400" dirty="0">
+                <a:latin typeface="Arial" panose="020B0604020202020204" pitchFamily="34" charset="0"/>
+                <a:cs typeface="Arial" panose="020B0604020202020204" pitchFamily="34" charset="0"/>
+              </a:rPr>
+              <a:t>Identificar problemas que podem afetar a experiência do usuário, como bugs, erros de desempenho ou problemas de usabilidade.</a:t>
+            </a:r>
+          </a:p>
+          <a:p>
+            <a:endParaRPr lang="pt-BR" sz="2400" dirty="0">
+              <a:latin typeface="Arial" panose="020B0604020202020204" pitchFamily="34" charset="0"/>
+              <a:cs typeface="Arial" panose="020B0604020202020204" pitchFamily="34" charset="0"/>
+            </a:endParaRPr>
+          </a:p>
+          <a:p>
+            <a:r>
+              <a:rPr lang="pt-BR" sz="2400" b="1" dirty="0">
+                <a:latin typeface="Arial" panose="020B0604020202020204" pitchFamily="34" charset="0"/>
+                <a:cs typeface="Arial" panose="020B0604020202020204" pitchFamily="34" charset="0"/>
+              </a:rPr>
+              <a:t>Construir confiança no sistema: </a:t>
+            </a:r>
+            <a:r>
+              <a:rPr lang="pt-BR" sz="2400" dirty="0">
+                <a:latin typeface="Arial" panose="020B0604020202020204" pitchFamily="34" charset="0"/>
+                <a:cs typeface="Arial" panose="020B0604020202020204" pitchFamily="34" charset="0"/>
+              </a:rPr>
+              <a:t>Fornecer evidências de que o sistema está pronto para ser lançado e utilizado em produção.</a:t>
+            </a:r>
+            <a:endParaRPr lang="pt-BR" sz="2400" b="0" i="0" dirty="0">
+              <a:effectLst/>
+              <a:latin typeface="Arial" panose="020B0604020202020204" pitchFamily="34" charset="0"/>
+              <a:cs typeface="Arial" panose="020B0604020202020204" pitchFamily="34" charset="0"/>
+            </a:endParaRPr>
+          </a:p>
+        </p:txBody>
+      </p:sp>
+    </p:spTree>
+    <p:extLst>
+      <p:ext uri="{BB962C8B-B14F-4D97-AF65-F5344CB8AC3E}">
+        <p14:creationId xmlns:p14="http://schemas.microsoft.com/office/powerpoint/2010/main" val="3710608957"/>
+      </p:ext>
+    </p:extLst>
+  </p:cSld>
+  <p:clrMapOvr>
+    <a:masterClrMapping/>
+  </p:clrMapOvr>
+</p:sld>
+</file>
+
+<file path=ppt/slides/slide6.xml><?xml version="1.0" encoding="utf-8"?>
 <p:sld xmlns:a="http://schemas.openxmlformats.org/drawingml/2006/main" xmlns:r="http://schemas.openxmlformats.org/officeDocument/2006/relationships" xmlns:p="http://schemas.openxmlformats.org/presentationml/2006/main">
   <p:cSld>
     <p:spTree>
@@ -11689,8 +10585,8 @@
         </p:nvSpPr>
         <p:spPr>
           <a:xfrm>
-            <a:off x="833054" y="2172413"/>
-            <a:ext cx="11104228" cy="3162404"/>
+            <a:off x="740775" y="1341903"/>
+            <a:ext cx="11104228" cy="4716676"/>
           </a:xfrm>
           <a:prstGeom prst="rect">
             <a:avLst/>
@@ -11728,6 +10624,14 @@
             </a:r>
           </a:p>
           <a:p>
+            <a:pPr algn="l"/>
+            <a:endParaRPr lang="pt-BR" sz="2400" b="0" i="0" dirty="0">
+              <a:effectLst/>
+              <a:latin typeface="Arial" panose="020B0604020202020204" pitchFamily="34" charset="0"/>
+              <a:cs typeface="Arial" panose="020B0604020202020204" pitchFamily="34" charset="0"/>
+            </a:endParaRPr>
+          </a:p>
+          <a:p>
             <a:pPr algn="l">
               <a:buFont typeface="+mj-lt"/>
               <a:buAutoNum type="arabicPeriod"/>
@@ -11740,6 +10644,17 @@
               </a:rPr>
               <a:t>Navegar pelo catálogo de produtos.</a:t>
             </a:r>
+          </a:p>
+          <a:p>
+            <a:pPr algn="l">
+              <a:buFont typeface="+mj-lt"/>
+              <a:buAutoNum type="arabicPeriod"/>
+            </a:pPr>
+            <a:endParaRPr lang="pt-BR" sz="2400" b="0" i="0" dirty="0">
+              <a:effectLst/>
+              <a:latin typeface="Arial" panose="020B0604020202020204" pitchFamily="34" charset="0"/>
+              <a:cs typeface="Arial" panose="020B0604020202020204" pitchFamily="34" charset="0"/>
+            </a:endParaRPr>
           </a:p>
           <a:p>
             <a:pPr algn="l">
@@ -11766,6 +10681,20 @@
               <a:buFont typeface="+mj-lt"/>
               <a:buAutoNum type="arabicPeriod"/>
             </a:pPr>
+            <a:endParaRPr lang="pt-BR" sz="2400" b="0" i="0" dirty="0">
+              <a:effectLst/>
+              <a:latin typeface="Arial" panose="020B0604020202020204" pitchFamily="34" charset="0"/>
+              <a:cs typeface="Arial" panose="020B0604020202020204" pitchFamily="34" charset="0"/>
+            </a:endParaRPr>
+          </a:p>
+          <a:p>
+            <a:pPr algn="l">
+              <a:spcBef>
+                <a:spcPts val="300"/>
+              </a:spcBef>
+              <a:buFont typeface="+mj-lt"/>
+              <a:buAutoNum type="arabicPeriod"/>
+            </a:pPr>
             <a:r>
               <a:rPr lang="pt-BR" sz="2400" b="0" i="0" dirty="0">
                 <a:effectLst/>
@@ -11774,6 +10703,20 @@
               </a:rPr>
               <a:t>Finalizar a compra com sucesso.</a:t>
             </a:r>
+          </a:p>
+          <a:p>
+            <a:pPr algn="l">
+              <a:spcBef>
+                <a:spcPts val="300"/>
+              </a:spcBef>
+              <a:buFont typeface="+mj-lt"/>
+              <a:buAutoNum type="arabicPeriod"/>
+            </a:pPr>
+            <a:endParaRPr lang="pt-BR" sz="2400" b="0" i="0" dirty="0">
+              <a:effectLst/>
+              <a:latin typeface="Arial" panose="020B0604020202020204" pitchFamily="34" charset="0"/>
+              <a:cs typeface="Arial" panose="020B0604020202020204" pitchFamily="34" charset="0"/>
+            </a:endParaRPr>
           </a:p>
           <a:p>
             <a:pPr algn="l">
@@ -11815,7 +10758,7 @@
 </p:sld>
 </file>
 
-<file path=ppt/slides/slide6.xml><?xml version="1.0" encoding="utf-8"?>
+<file path=ppt/slides/slide7.xml><?xml version="1.0" encoding="utf-8"?>
 <p:sld xmlns:a="http://schemas.openxmlformats.org/drawingml/2006/main" xmlns:r="http://schemas.openxmlformats.org/officeDocument/2006/relationships" xmlns:p="http://schemas.openxmlformats.org/presentationml/2006/main">
   <p:cSld>
     <p:spTree>
@@ -11964,14 +10907,14 @@
           <p:nvPr>
             <p:extLst>
               <p:ext uri="{D42A27DB-BD31-4B8C-83A1-F6EECF244321}">
-                <p14:modId xmlns:p14="http://schemas.microsoft.com/office/powerpoint/2010/main" val="3123620658"/>
+                <p14:modId xmlns:p14="http://schemas.microsoft.com/office/powerpoint/2010/main" val="3803374564"/>
               </p:ext>
             </p:extLst>
           </p:nvPr>
         </p:nvGraphicFramePr>
         <p:xfrm>
-          <a:off x="282548" y="929834"/>
-          <a:ext cx="11328400" cy="5059680"/>
+          <a:off x="282548" y="1234440"/>
+          <a:ext cx="11328400" cy="4389120"/>
         </p:xfrm>
         <a:graphic>
           <a:graphicData uri="http://schemas.openxmlformats.org/drawingml/2006/table">
@@ -11985,21 +10928,21 @@
                     </a:ext>
                   </a:extLst>
                 </a:gridCol>
-                <a:gridCol w="2832100">
+                <a:gridCol w="2153638">
                   <a:extLst>
                     <a:ext uri="{9D8B030D-6E8A-4147-A177-3AD203B41FA5}">
                       <a16:colId xmlns:a16="http://schemas.microsoft.com/office/drawing/2014/main" val="1666719842"/>
                     </a:ext>
                   </a:extLst>
                 </a:gridCol>
-                <a:gridCol w="2832100">
+                <a:gridCol w="3246540">
                   <a:extLst>
                     <a:ext uri="{9D8B030D-6E8A-4147-A177-3AD203B41FA5}">
                       <a16:colId xmlns:a16="http://schemas.microsoft.com/office/drawing/2014/main" val="2693976229"/>
                     </a:ext>
                   </a:extLst>
                 </a:gridCol>
-                <a:gridCol w="2832100">
+                <a:gridCol w="3096122">
                   <a:extLst>
                     <a:ext uri="{9D8B030D-6E8A-4147-A177-3AD203B41FA5}">
                       <a16:colId xmlns:a16="http://schemas.microsoft.com/office/drawing/2014/main" val="3048834909"/>
@@ -12285,14 +11228,14 @@
                     <a:lstStyle/>
                     <a:p>
                       <a:r>
-                        <a:rPr lang="pt-BR" sz="2200" b="1">
+                        <a:rPr lang="pt-BR" sz="2200" b="1" dirty="0">
                           <a:effectLst/>
                           <a:latin typeface="Arial" panose="020B0604020202020204" pitchFamily="34" charset="0"/>
                           <a:cs typeface="Arial" panose="020B0604020202020204" pitchFamily="34" charset="0"/>
                         </a:rPr>
                         <a:t>Testes de Integração</a:t>
                       </a:r>
-                      <a:endParaRPr lang="pt-BR" sz="2200">
+                      <a:endParaRPr lang="pt-BR" sz="2200" dirty="0">
                         <a:effectLst/>
                         <a:latin typeface="Arial" panose="020B0604020202020204" pitchFamily="34" charset="0"/>
                         <a:cs typeface="Arial" panose="020B0604020202020204" pitchFamily="34" charset="0"/>
@@ -12567,735 +11510,7 @@
 </p:sld>
 </file>
 
-<file path=ppt/slides/slide7.xml><?xml version="1.0" encoding="utf-8"?>
-<p:sld xmlns:a="http://schemas.openxmlformats.org/drawingml/2006/main" xmlns:r="http://schemas.openxmlformats.org/officeDocument/2006/relationships" xmlns:p="http://schemas.openxmlformats.org/presentationml/2006/main">
-  <p:cSld>
-    <p:spTree>
-      <p:nvGrpSpPr>
-        <p:cNvPr id="1" name="">
-          <a:extLst>
-            <a:ext uri="{FF2B5EF4-FFF2-40B4-BE49-F238E27FC236}">
-              <a16:creationId xmlns:a16="http://schemas.microsoft.com/office/drawing/2014/main" id="{F8E3A1BE-5EEE-3017-201D-8A345DFE96EF}"/>
-            </a:ext>
-          </a:extLst>
-        </p:cNvPr>
-        <p:cNvGrpSpPr/>
-        <p:nvPr/>
-      </p:nvGrpSpPr>
-      <p:grpSpPr>
-        <a:xfrm>
-          <a:off x="0" y="0"/>
-          <a:ext cx="0" cy="0"/>
-          <a:chOff x="0" y="0"/>
-          <a:chExt cx="0" cy="0"/>
-        </a:xfrm>
-      </p:grpSpPr>
-      <p:pic>
-        <p:nvPicPr>
-          <p:cNvPr id="9" name="Picture 4" descr="Não perca: nova turma do curso de Mestre de Obras em Campinas | Sinduscon-SP">
-            <a:extLst>
-              <a:ext uri="{FF2B5EF4-FFF2-40B4-BE49-F238E27FC236}">
-                <a16:creationId xmlns:a16="http://schemas.microsoft.com/office/drawing/2014/main" id="{D1BFE2D6-D091-4912-2A7B-E441D1CA0ECD}"/>
-              </a:ext>
-            </a:extLst>
-          </p:cNvPr>
-          <p:cNvPicPr>
-            <a:picLocks noChangeAspect="1" noChangeArrowheads="1"/>
-          </p:cNvPicPr>
-          <p:nvPr/>
-        </p:nvPicPr>
-        <p:blipFill>
-          <a:blip r:embed="rId2">
-            <a:extLst>
-              <a:ext uri="{28A0092B-C50C-407E-A947-70E740481C1C}">
-                <a14:useLocalDpi xmlns:a14="http://schemas.microsoft.com/office/drawing/2010/main" val="0"/>
-              </a:ext>
-            </a:extLst>
-          </a:blip>
-          <a:srcRect/>
-          <a:stretch>
-            <a:fillRect/>
-          </a:stretch>
-        </p:blipFill>
-        <p:spPr bwMode="auto">
-          <a:xfrm>
-            <a:off x="9731829" y="6232541"/>
-            <a:ext cx="2460171" cy="624717"/>
-          </a:xfrm>
-          <a:prstGeom prst="rect">
-            <a:avLst/>
-          </a:prstGeom>
-          <a:noFill/>
-          <a:extLst>
-            <a:ext uri="{909E8E84-426E-40DD-AFC4-6F175D3DCCD1}">
-              <a14:hiddenFill xmlns:a14="http://schemas.microsoft.com/office/drawing/2010/main">
-                <a:solidFill>
-                  <a:srgbClr val="FFFFFF"/>
-                </a:solidFill>
-              </a14:hiddenFill>
-            </a:ext>
-          </a:extLst>
-        </p:spPr>
-      </p:pic>
-      <p:sp>
-        <p:nvSpPr>
-          <p:cNvPr id="11" name="Título 6">
-            <a:extLst>
-              <a:ext uri="{FF2B5EF4-FFF2-40B4-BE49-F238E27FC236}">
-                <a16:creationId xmlns:a16="http://schemas.microsoft.com/office/drawing/2014/main" id="{4EC9A9B2-E70C-C43A-4ACE-4BB10D5AEF67}"/>
-              </a:ext>
-            </a:extLst>
-          </p:cNvPr>
-          <p:cNvSpPr txBox="1">
-            <a:spLocks/>
-          </p:cNvSpPr>
-          <p:nvPr/>
-        </p:nvSpPr>
-        <p:spPr>
-          <a:xfrm>
-            <a:off x="432000" y="254807"/>
-            <a:ext cx="11328000" cy="432000"/>
-          </a:xfrm>
-          <a:prstGeom prst="rect">
-            <a:avLst/>
-          </a:prstGeom>
-        </p:spPr>
-        <p:txBody>
-          <a:bodyPr vert="horz" lIns="0" tIns="0" rIns="0" bIns="0" rtlCol="0" anchor="ctr">
-            <a:noAutofit/>
-          </a:bodyPr>
-          <a:lstStyle>
-            <a:lvl1pPr algn="l" defTabSz="914400" rtl="0" eaLnBrk="1" latinLnBrk="0" hangingPunct="1">
-              <a:lnSpc>
-                <a:spcPct val="90000"/>
-              </a:lnSpc>
-              <a:spcBef>
-                <a:spcPct val="0"/>
-              </a:spcBef>
-              <a:buNone/>
-              <a:defRPr sz="3200" b="1" kern="1200" spc="-150">
-                <a:solidFill>
-                  <a:schemeClr val="tx1">
-                    <a:lumMod val="75000"/>
-                    <a:lumOff val="25000"/>
-                  </a:schemeClr>
-                </a:solidFill>
-                <a:latin typeface="+mj-lt"/>
-                <a:ea typeface="+mj-ea"/>
-                <a:cs typeface="+mj-cs"/>
-              </a:defRPr>
-            </a:lvl1pPr>
-          </a:lstStyle>
-          <a:p>
-            <a:r>
-              <a:rPr lang="pt-BR" dirty="0">
-                <a:solidFill>
-                  <a:srgbClr val="C00000"/>
-                </a:solidFill>
-                <a:latin typeface="Arial" panose="020B0604020202020204" pitchFamily="34" charset="0"/>
-                <a:ea typeface="Cambria" panose="02040503050406030204" pitchFamily="18" charset="0"/>
-                <a:cs typeface="Arial" panose="020B0604020202020204" pitchFamily="34" charset="0"/>
-              </a:rPr>
-              <a:t>Teste de Sistema</a:t>
-            </a:r>
-          </a:p>
-        </p:txBody>
-      </p:sp>
-      <p:sp>
-        <p:nvSpPr>
-          <p:cNvPr id="3" name="CaixaDeTexto 2">
-            <a:extLst>
-              <a:ext uri="{FF2B5EF4-FFF2-40B4-BE49-F238E27FC236}">
-                <a16:creationId xmlns:a16="http://schemas.microsoft.com/office/drawing/2014/main" id="{AD7B5075-DB1B-7087-7AD1-9A29DF4514BC}"/>
-              </a:ext>
-            </a:extLst>
-          </p:cNvPr>
-          <p:cNvSpPr txBox="1"/>
-          <p:nvPr/>
-        </p:nvSpPr>
-        <p:spPr>
-          <a:xfrm>
-            <a:off x="643811" y="1232584"/>
-            <a:ext cx="10752294" cy="3852337"/>
-          </a:xfrm>
-          <a:prstGeom prst="rect">
-            <a:avLst/>
-          </a:prstGeom>
-          <a:noFill/>
-        </p:spPr>
-        <p:txBody>
-          <a:bodyPr wrap="square">
-            <a:spAutoFit/>
-          </a:bodyPr>
-          <a:lstStyle/>
-          <a:p>
-            <a:pPr algn="l">
-              <a:spcAft>
-                <a:spcPts val="1350"/>
-              </a:spcAft>
-            </a:pPr>
-            <a:r>
-              <a:rPr lang="pt-BR" sz="2400" b="1" i="0" dirty="0">
-                <a:effectLst/>
-                <a:latin typeface="Arial" panose="020B0604020202020204" pitchFamily="34" charset="0"/>
-                <a:cs typeface="Arial" panose="020B0604020202020204" pitchFamily="34" charset="0"/>
-              </a:rPr>
-              <a:t> Teste de Unidade vs. Teste de Integração vs. Teste de Sistemas </a:t>
-            </a:r>
-          </a:p>
-          <a:p>
-            <a:pPr algn="l">
-              <a:spcAft>
-                <a:spcPts val="1350"/>
-              </a:spcAft>
-            </a:pPr>
-            <a:r>
-              <a:rPr lang="pt-BR" sz="2400" b="1" i="0" dirty="0">
-                <a:effectLst/>
-                <a:latin typeface="Arial" panose="020B0604020202020204" pitchFamily="34" charset="0"/>
-                <a:cs typeface="Arial" panose="020B0604020202020204" pitchFamily="34" charset="0"/>
-              </a:rPr>
-              <a:t>Teste de Unidade:</a:t>
-            </a:r>
-            <a:endParaRPr lang="pt-BR" sz="2400" b="0" i="0" dirty="0">
-              <a:effectLst/>
-              <a:latin typeface="Arial" panose="020B0604020202020204" pitchFamily="34" charset="0"/>
-              <a:cs typeface="Arial" panose="020B0604020202020204" pitchFamily="34" charset="0"/>
-            </a:endParaRPr>
-          </a:p>
-          <a:p>
-            <a:pPr marL="742950" lvl="1" indent="-285750" algn="l">
-              <a:spcAft>
-                <a:spcPts val="225"/>
-              </a:spcAft>
-              <a:buFont typeface="Arial" panose="020B0604020202020204" pitchFamily="34" charset="0"/>
-              <a:buChar char="•"/>
-            </a:pPr>
-            <a:r>
-              <a:rPr lang="pt-BR" sz="2400" b="0" i="0" dirty="0">
-                <a:effectLst/>
-                <a:latin typeface="Arial" panose="020B0604020202020204" pitchFamily="34" charset="0"/>
-                <a:cs typeface="Arial" panose="020B0604020202020204" pitchFamily="34" charset="0"/>
-              </a:rPr>
-              <a:t>Objetivo: Testar unidades individuais de código (funções, métodos, classes) de forma isolada.</a:t>
-            </a:r>
-          </a:p>
-          <a:p>
-            <a:pPr marL="742950" lvl="1" indent="-285750" algn="l">
-              <a:spcAft>
-                <a:spcPts val="225"/>
-              </a:spcAft>
-              <a:buFont typeface="Arial" panose="020B0604020202020204" pitchFamily="34" charset="0"/>
-              <a:buChar char="•"/>
-            </a:pPr>
-            <a:r>
-              <a:rPr lang="pt-BR" sz="2400" b="0" i="0" dirty="0">
-                <a:effectLst/>
-                <a:latin typeface="Arial" panose="020B0604020202020204" pitchFamily="34" charset="0"/>
-                <a:cs typeface="Arial" panose="020B0604020202020204" pitchFamily="34" charset="0"/>
-              </a:rPr>
-              <a:t>Quem testa: Geralmente, os desenvolvedores.</a:t>
-            </a:r>
-          </a:p>
-          <a:p>
-            <a:pPr marL="742950" lvl="1" indent="-285750" algn="l">
-              <a:spcAft>
-                <a:spcPts val="225"/>
-              </a:spcAft>
-              <a:buFont typeface="Arial" panose="020B0604020202020204" pitchFamily="34" charset="0"/>
-              <a:buChar char="•"/>
-            </a:pPr>
-            <a:r>
-              <a:rPr lang="pt-BR" sz="2400" b="0" i="0" dirty="0">
-                <a:effectLst/>
-                <a:latin typeface="Arial" panose="020B0604020202020204" pitchFamily="34" charset="0"/>
-                <a:cs typeface="Arial" panose="020B0604020202020204" pitchFamily="34" charset="0"/>
-              </a:rPr>
-              <a:t>Foco: Verificar a lógica interna e o comportamento individual das unidades.</a:t>
-            </a:r>
-          </a:p>
-          <a:p>
-            <a:pPr marL="742950" lvl="1" indent="-285750" algn="l">
-              <a:spcAft>
-                <a:spcPts val="225"/>
-              </a:spcAft>
-              <a:buFont typeface="Arial" panose="020B0604020202020204" pitchFamily="34" charset="0"/>
-              <a:buChar char="•"/>
-            </a:pPr>
-            <a:r>
-              <a:rPr lang="pt-BR" sz="2400" b="0" i="0" dirty="0">
-                <a:effectLst/>
-                <a:latin typeface="Arial" panose="020B0604020202020204" pitchFamily="34" charset="0"/>
-                <a:cs typeface="Arial" panose="020B0604020202020204" pitchFamily="34" charset="0"/>
-              </a:rPr>
-              <a:t>Exemplo: Testar se uma função que calcula a média de dois números retorna o valor correto para diferentes entradas</a:t>
-            </a:r>
-            <a:r>
-              <a:rPr lang="pt-BR" sz="2400" dirty="0">
-                <a:latin typeface="Arial" panose="020B0604020202020204" pitchFamily="34" charset="0"/>
-                <a:cs typeface="Arial" panose="020B0604020202020204" pitchFamily="34" charset="0"/>
-              </a:rPr>
-              <a:t> </a:t>
-            </a:r>
-            <a:r>
-              <a:rPr lang="pt-BR" sz="2400" b="0" i="0" dirty="0">
-                <a:effectLst/>
-                <a:latin typeface="Arial" panose="020B0604020202020204" pitchFamily="34" charset="0"/>
-                <a:cs typeface="Arial" panose="020B0604020202020204" pitchFamily="34" charset="0"/>
-              </a:rPr>
-              <a:t>do pedido.</a:t>
-            </a:r>
-          </a:p>
-        </p:txBody>
-      </p:sp>
-    </p:spTree>
-    <p:extLst>
-      <p:ext uri="{BB962C8B-B14F-4D97-AF65-F5344CB8AC3E}">
-        <p14:creationId xmlns:p14="http://schemas.microsoft.com/office/powerpoint/2010/main" val="3077318815"/>
-      </p:ext>
-    </p:extLst>
-  </p:cSld>
-  <p:clrMapOvr>
-    <a:masterClrMapping/>
-  </p:clrMapOvr>
-</p:sld>
-</file>
-
 <file path=ppt/slides/slide8.xml><?xml version="1.0" encoding="utf-8"?>
-<p:sld xmlns:a="http://schemas.openxmlformats.org/drawingml/2006/main" xmlns:r="http://schemas.openxmlformats.org/officeDocument/2006/relationships" xmlns:p="http://schemas.openxmlformats.org/presentationml/2006/main">
-  <p:cSld>
-    <p:spTree>
-      <p:nvGrpSpPr>
-        <p:cNvPr id="1" name="">
-          <a:extLst>
-            <a:ext uri="{FF2B5EF4-FFF2-40B4-BE49-F238E27FC236}">
-              <a16:creationId xmlns:a16="http://schemas.microsoft.com/office/drawing/2014/main" id="{7744CB49-8875-2B52-A0A2-0992608450AA}"/>
-            </a:ext>
-          </a:extLst>
-        </p:cNvPr>
-        <p:cNvGrpSpPr/>
-        <p:nvPr/>
-      </p:nvGrpSpPr>
-      <p:grpSpPr>
-        <a:xfrm>
-          <a:off x="0" y="0"/>
-          <a:ext cx="0" cy="0"/>
-          <a:chOff x="0" y="0"/>
-          <a:chExt cx="0" cy="0"/>
-        </a:xfrm>
-      </p:grpSpPr>
-      <p:pic>
-        <p:nvPicPr>
-          <p:cNvPr id="9" name="Picture 4" descr="Não perca: nova turma do curso de Mestre de Obras em Campinas | Sinduscon-SP">
-            <a:extLst>
-              <a:ext uri="{FF2B5EF4-FFF2-40B4-BE49-F238E27FC236}">
-                <a16:creationId xmlns:a16="http://schemas.microsoft.com/office/drawing/2014/main" id="{3A2D70E6-AAB7-28F0-D5DD-DEDD693D2EAB}"/>
-              </a:ext>
-            </a:extLst>
-          </p:cNvPr>
-          <p:cNvPicPr>
-            <a:picLocks noChangeAspect="1" noChangeArrowheads="1"/>
-          </p:cNvPicPr>
-          <p:nvPr/>
-        </p:nvPicPr>
-        <p:blipFill>
-          <a:blip r:embed="rId2">
-            <a:extLst>
-              <a:ext uri="{28A0092B-C50C-407E-A947-70E740481C1C}">
-                <a14:useLocalDpi xmlns:a14="http://schemas.microsoft.com/office/drawing/2010/main" val="0"/>
-              </a:ext>
-            </a:extLst>
-          </a:blip>
-          <a:srcRect/>
-          <a:stretch>
-            <a:fillRect/>
-          </a:stretch>
-        </p:blipFill>
-        <p:spPr bwMode="auto">
-          <a:xfrm>
-            <a:off x="9731829" y="6232541"/>
-            <a:ext cx="2460171" cy="624717"/>
-          </a:xfrm>
-          <a:prstGeom prst="rect">
-            <a:avLst/>
-          </a:prstGeom>
-          <a:noFill/>
-          <a:extLst>
-            <a:ext uri="{909E8E84-426E-40DD-AFC4-6F175D3DCCD1}">
-              <a14:hiddenFill xmlns:a14="http://schemas.microsoft.com/office/drawing/2010/main">
-                <a:solidFill>
-                  <a:srgbClr val="FFFFFF"/>
-                </a:solidFill>
-              </a14:hiddenFill>
-            </a:ext>
-          </a:extLst>
-        </p:spPr>
-      </p:pic>
-      <p:sp>
-        <p:nvSpPr>
-          <p:cNvPr id="11" name="Título 6">
-            <a:extLst>
-              <a:ext uri="{FF2B5EF4-FFF2-40B4-BE49-F238E27FC236}">
-                <a16:creationId xmlns:a16="http://schemas.microsoft.com/office/drawing/2014/main" id="{EA5E78E6-F455-B128-FFFB-8F088727CD7A}"/>
-              </a:ext>
-            </a:extLst>
-          </p:cNvPr>
-          <p:cNvSpPr txBox="1">
-            <a:spLocks/>
-          </p:cNvSpPr>
-          <p:nvPr/>
-        </p:nvSpPr>
-        <p:spPr>
-          <a:xfrm>
-            <a:off x="432000" y="254807"/>
-            <a:ext cx="11328000" cy="432000"/>
-          </a:xfrm>
-          <a:prstGeom prst="rect">
-            <a:avLst/>
-          </a:prstGeom>
-        </p:spPr>
-        <p:txBody>
-          <a:bodyPr vert="horz" lIns="0" tIns="0" rIns="0" bIns="0" rtlCol="0" anchor="ctr">
-            <a:noAutofit/>
-          </a:bodyPr>
-          <a:lstStyle>
-            <a:lvl1pPr algn="l" defTabSz="914400" rtl="0" eaLnBrk="1" latinLnBrk="0" hangingPunct="1">
-              <a:lnSpc>
-                <a:spcPct val="90000"/>
-              </a:lnSpc>
-              <a:spcBef>
-                <a:spcPct val="0"/>
-              </a:spcBef>
-              <a:buNone/>
-              <a:defRPr sz="3200" b="1" kern="1200" spc="-150">
-                <a:solidFill>
-                  <a:schemeClr val="tx1">
-                    <a:lumMod val="75000"/>
-                    <a:lumOff val="25000"/>
-                  </a:schemeClr>
-                </a:solidFill>
-                <a:latin typeface="+mj-lt"/>
-                <a:ea typeface="+mj-ea"/>
-                <a:cs typeface="+mj-cs"/>
-              </a:defRPr>
-            </a:lvl1pPr>
-          </a:lstStyle>
-          <a:p>
-            <a:r>
-              <a:rPr lang="pt-BR" dirty="0">
-                <a:solidFill>
-                  <a:srgbClr val="C00000"/>
-                </a:solidFill>
-                <a:latin typeface="Arial" panose="020B0604020202020204" pitchFamily="34" charset="0"/>
-                <a:ea typeface="Cambria" panose="02040503050406030204" pitchFamily="18" charset="0"/>
-                <a:cs typeface="Arial" panose="020B0604020202020204" pitchFamily="34" charset="0"/>
-              </a:rPr>
-              <a:t>Teste de Sistema</a:t>
-            </a:r>
-          </a:p>
-        </p:txBody>
-      </p:sp>
-      <p:sp>
-        <p:nvSpPr>
-          <p:cNvPr id="3" name="CaixaDeTexto 2">
-            <a:extLst>
-              <a:ext uri="{FF2B5EF4-FFF2-40B4-BE49-F238E27FC236}">
-                <a16:creationId xmlns:a16="http://schemas.microsoft.com/office/drawing/2014/main" id="{2AC4B00F-8B63-3C7D-BBE7-7E477B7A395E}"/>
-              </a:ext>
-            </a:extLst>
-          </p:cNvPr>
-          <p:cNvSpPr txBox="1"/>
-          <p:nvPr/>
-        </p:nvSpPr>
-        <p:spPr>
-          <a:xfrm>
-            <a:off x="635877" y="1259603"/>
-            <a:ext cx="10752294" cy="5062924"/>
-          </a:xfrm>
-          <a:prstGeom prst="rect">
-            <a:avLst/>
-          </a:prstGeom>
-          <a:noFill/>
-        </p:spPr>
-        <p:txBody>
-          <a:bodyPr wrap="square">
-            <a:spAutoFit/>
-          </a:bodyPr>
-          <a:lstStyle/>
-          <a:p>
-            <a:pPr algn="l">
-              <a:spcAft>
-                <a:spcPts val="225"/>
-              </a:spcAft>
-              <a:buFont typeface="Arial" panose="020B0604020202020204" pitchFamily="34" charset="0"/>
-              <a:buChar char="•"/>
-            </a:pPr>
-            <a:r>
-              <a:rPr lang="pt-BR" sz="2200" b="1" i="0" dirty="0">
-                <a:effectLst/>
-                <a:latin typeface="Arial" panose="020B0604020202020204" pitchFamily="34" charset="0"/>
-                <a:cs typeface="Arial" panose="020B0604020202020204" pitchFamily="34" charset="0"/>
-              </a:rPr>
-              <a:t>Teste de Integração:</a:t>
-            </a:r>
-            <a:endParaRPr lang="pt-BR" sz="2200" b="0" i="0" dirty="0">
-              <a:effectLst/>
-              <a:latin typeface="Arial" panose="020B0604020202020204" pitchFamily="34" charset="0"/>
-              <a:cs typeface="Arial" panose="020B0604020202020204" pitchFamily="34" charset="0"/>
-            </a:endParaRPr>
-          </a:p>
-          <a:p>
-            <a:pPr marL="742950" lvl="1" indent="-285750" algn="l">
-              <a:spcAft>
-                <a:spcPts val="225"/>
-              </a:spcAft>
-              <a:buFont typeface="Arial" panose="020B0604020202020204" pitchFamily="34" charset="0"/>
-              <a:buChar char="•"/>
-            </a:pPr>
-            <a:r>
-              <a:rPr lang="pt-BR" sz="2200" b="0" i="0" dirty="0">
-                <a:effectLst/>
-                <a:latin typeface="Arial" panose="020B0604020202020204" pitchFamily="34" charset="0"/>
-                <a:cs typeface="Arial" panose="020B0604020202020204" pitchFamily="34" charset="0"/>
-              </a:rPr>
-              <a:t>Objetivo: Testar a interação entre diferentes unidades ou módulos do software.</a:t>
-            </a:r>
-          </a:p>
-          <a:p>
-            <a:pPr marL="742950" lvl="1" indent="-285750" algn="l">
-              <a:spcAft>
-                <a:spcPts val="225"/>
-              </a:spcAft>
-              <a:buFont typeface="Arial" panose="020B0604020202020204" pitchFamily="34" charset="0"/>
-              <a:buChar char="•"/>
-            </a:pPr>
-            <a:r>
-              <a:rPr lang="pt-BR" sz="2200" b="0" i="0" dirty="0">
-                <a:effectLst/>
-                <a:latin typeface="Arial" panose="020B0604020202020204" pitchFamily="34" charset="0"/>
-                <a:cs typeface="Arial" panose="020B0604020202020204" pitchFamily="34" charset="0"/>
-              </a:rPr>
-              <a:t>Quem testa: Testadores ou desenvolvedores.</a:t>
-            </a:r>
-          </a:p>
-          <a:p>
-            <a:pPr marL="742950" lvl="1" indent="-285750" algn="l">
-              <a:spcAft>
-                <a:spcPts val="225"/>
-              </a:spcAft>
-              <a:buFont typeface="Arial" panose="020B0604020202020204" pitchFamily="34" charset="0"/>
-              <a:buChar char="•"/>
-            </a:pPr>
-            <a:r>
-              <a:rPr lang="pt-BR" sz="2200" b="0" i="0" dirty="0">
-                <a:effectLst/>
-                <a:latin typeface="Arial" panose="020B0604020202020204" pitchFamily="34" charset="0"/>
-                <a:cs typeface="Arial" panose="020B0604020202020204" pitchFamily="34" charset="0"/>
-              </a:rPr>
-              <a:t>Foco: Verificar a correta comunicação e troca de dados entre os módulos.</a:t>
-            </a:r>
-          </a:p>
-          <a:p>
-            <a:pPr marL="742950" lvl="1" indent="-285750" algn="l">
-              <a:spcAft>
-                <a:spcPts val="225"/>
-              </a:spcAft>
-              <a:buFont typeface="Arial" panose="020B0604020202020204" pitchFamily="34" charset="0"/>
-              <a:buChar char="•"/>
-            </a:pPr>
-            <a:r>
-              <a:rPr lang="pt-BR" sz="2200" b="0" i="0" dirty="0">
-                <a:effectLst/>
-                <a:latin typeface="Arial" panose="020B0604020202020204" pitchFamily="34" charset="0"/>
-                <a:cs typeface="Arial" panose="020B0604020202020204" pitchFamily="34" charset="0"/>
-              </a:rPr>
-              <a:t>Tipos: Top-</a:t>
-            </a:r>
-            <a:r>
-              <a:rPr lang="pt-BR" sz="2200" b="0" i="0" dirty="0" err="1">
-                <a:effectLst/>
-                <a:latin typeface="Arial" panose="020B0604020202020204" pitchFamily="34" charset="0"/>
-                <a:cs typeface="Arial" panose="020B0604020202020204" pitchFamily="34" charset="0"/>
-              </a:rPr>
-              <a:t>down</a:t>
-            </a:r>
-            <a:r>
-              <a:rPr lang="pt-BR" sz="2200" b="0" i="0" dirty="0">
-                <a:effectLst/>
-                <a:latin typeface="Arial" panose="020B0604020202020204" pitchFamily="34" charset="0"/>
-                <a:cs typeface="Arial" panose="020B0604020202020204" pitchFamily="34" charset="0"/>
-              </a:rPr>
-              <a:t>, </a:t>
-            </a:r>
-            <a:r>
-              <a:rPr lang="pt-BR" sz="2200" b="0" i="0" dirty="0" err="1">
-                <a:effectLst/>
-                <a:latin typeface="Arial" panose="020B0604020202020204" pitchFamily="34" charset="0"/>
-                <a:cs typeface="Arial" panose="020B0604020202020204" pitchFamily="34" charset="0"/>
-              </a:rPr>
-              <a:t>bottom-up</a:t>
-            </a:r>
-            <a:r>
-              <a:rPr lang="pt-BR" sz="2200" b="0" i="0" dirty="0">
-                <a:effectLst/>
-                <a:latin typeface="Arial" panose="020B0604020202020204" pitchFamily="34" charset="0"/>
-                <a:cs typeface="Arial" panose="020B0604020202020204" pitchFamily="34" charset="0"/>
-              </a:rPr>
-              <a:t>, big-</a:t>
-            </a:r>
-            <a:r>
-              <a:rPr lang="pt-BR" sz="2200" b="0" i="0" dirty="0" err="1">
-                <a:effectLst/>
-                <a:latin typeface="Arial" panose="020B0604020202020204" pitchFamily="34" charset="0"/>
-                <a:cs typeface="Arial" panose="020B0604020202020204" pitchFamily="34" charset="0"/>
-              </a:rPr>
-              <a:t>bang</a:t>
-            </a:r>
-            <a:r>
-              <a:rPr lang="pt-BR" sz="2200" b="0" i="0" dirty="0">
-                <a:effectLst/>
-                <a:latin typeface="Arial" panose="020B0604020202020204" pitchFamily="34" charset="0"/>
-                <a:cs typeface="Arial" panose="020B0604020202020204" pitchFamily="34" charset="0"/>
-              </a:rPr>
-              <a:t>.</a:t>
-            </a:r>
-          </a:p>
-          <a:p>
-            <a:pPr marL="1143000" lvl="2" indent="-228600" algn="l">
-              <a:spcAft>
-                <a:spcPts val="225"/>
-              </a:spcAft>
-              <a:buFont typeface="Arial" panose="020B0604020202020204" pitchFamily="34" charset="0"/>
-              <a:buChar char="•"/>
-            </a:pPr>
-            <a:r>
-              <a:rPr lang="pt-BR" sz="2200" b="1" i="0" dirty="0">
-                <a:effectLst/>
-                <a:latin typeface="Arial" panose="020B0604020202020204" pitchFamily="34" charset="0"/>
-                <a:cs typeface="Arial" panose="020B0604020202020204" pitchFamily="34" charset="0"/>
-              </a:rPr>
-              <a:t>Top-</a:t>
-            </a:r>
-            <a:r>
-              <a:rPr lang="pt-BR" sz="2200" b="1" i="0" dirty="0" err="1">
-                <a:effectLst/>
-                <a:latin typeface="Arial" panose="020B0604020202020204" pitchFamily="34" charset="0"/>
-                <a:cs typeface="Arial" panose="020B0604020202020204" pitchFamily="34" charset="0"/>
-              </a:rPr>
-              <a:t>down</a:t>
-            </a:r>
-            <a:r>
-              <a:rPr lang="pt-BR" sz="2200" b="0" i="0" dirty="0">
-                <a:effectLst/>
-                <a:latin typeface="Arial" panose="020B0604020202020204" pitchFamily="34" charset="0"/>
-                <a:cs typeface="Arial" panose="020B0604020202020204" pitchFamily="34" charset="0"/>
-              </a:rPr>
-              <a:t>: Testar os módulos de alto nível primeiro, integrando gradualmente os módulos de baixo nível.</a:t>
-            </a:r>
-          </a:p>
-          <a:p>
-            <a:pPr marL="1143000" lvl="2" indent="-228600" algn="l">
-              <a:spcAft>
-                <a:spcPts val="225"/>
-              </a:spcAft>
-              <a:buFont typeface="Arial" panose="020B0604020202020204" pitchFamily="34" charset="0"/>
-              <a:buChar char="•"/>
-            </a:pPr>
-            <a:r>
-              <a:rPr lang="pt-BR" sz="2200" b="1" i="0" dirty="0" err="1">
-                <a:effectLst/>
-                <a:latin typeface="Arial" panose="020B0604020202020204" pitchFamily="34" charset="0"/>
-                <a:cs typeface="Arial" panose="020B0604020202020204" pitchFamily="34" charset="0"/>
-              </a:rPr>
-              <a:t>Bottom-up</a:t>
-            </a:r>
-            <a:r>
-              <a:rPr lang="pt-BR" sz="2200" b="0" i="0" dirty="0">
-                <a:effectLst/>
-                <a:latin typeface="Arial" panose="020B0604020202020204" pitchFamily="34" charset="0"/>
-                <a:cs typeface="Arial" panose="020B0604020202020204" pitchFamily="34" charset="0"/>
-              </a:rPr>
-              <a:t>: Testar os módulos de baixo nível primeiro, integrando gradualmente os módulos de alto nível.</a:t>
-            </a:r>
-          </a:p>
-          <a:p>
-            <a:pPr marL="1143000" lvl="2" indent="-228600" algn="l">
-              <a:spcAft>
-                <a:spcPts val="225"/>
-              </a:spcAft>
-              <a:buFont typeface="Arial" panose="020B0604020202020204" pitchFamily="34" charset="0"/>
-              <a:buChar char="•"/>
-            </a:pPr>
-            <a:r>
-              <a:rPr lang="pt-BR" sz="2200" b="1" i="0" dirty="0">
-                <a:effectLst/>
-                <a:latin typeface="Arial" panose="020B0604020202020204" pitchFamily="34" charset="0"/>
-                <a:cs typeface="Arial" panose="020B0604020202020204" pitchFamily="34" charset="0"/>
-              </a:rPr>
-              <a:t>Big-</a:t>
-            </a:r>
-            <a:r>
-              <a:rPr lang="pt-BR" sz="2200" b="1" i="0" dirty="0" err="1">
-                <a:effectLst/>
-                <a:latin typeface="Arial" panose="020B0604020202020204" pitchFamily="34" charset="0"/>
-                <a:cs typeface="Arial" panose="020B0604020202020204" pitchFamily="34" charset="0"/>
-              </a:rPr>
-              <a:t>bang</a:t>
-            </a:r>
-            <a:r>
-              <a:rPr lang="pt-BR" sz="2200" b="0" i="0" dirty="0">
-                <a:effectLst/>
-                <a:latin typeface="Arial" panose="020B0604020202020204" pitchFamily="34" charset="0"/>
-                <a:cs typeface="Arial" panose="020B0604020202020204" pitchFamily="34" charset="0"/>
-              </a:rPr>
-              <a:t>: Integrar todos os módulos de uma vez e testar o sistema completo (geralmente não recomendado).</a:t>
-            </a:r>
-          </a:p>
-          <a:p>
-            <a:pPr lvl="2" algn="l">
-              <a:spcAft>
-                <a:spcPts val="225"/>
-              </a:spcAft>
-            </a:pPr>
-            <a:endParaRPr lang="pt-BR" sz="2200" b="0" i="0" dirty="0">
-              <a:effectLst/>
-              <a:latin typeface="Arial" panose="020B0604020202020204" pitchFamily="34" charset="0"/>
-              <a:cs typeface="Arial" panose="020B0604020202020204" pitchFamily="34" charset="0"/>
-            </a:endParaRPr>
-          </a:p>
-          <a:p>
-            <a:pPr marL="742950" lvl="1" indent="-285750" algn="l">
-              <a:spcAft>
-                <a:spcPts val="225"/>
-              </a:spcAft>
-              <a:buFont typeface="Arial" panose="020B0604020202020204" pitchFamily="34" charset="0"/>
-              <a:buChar char="•"/>
-            </a:pPr>
-            <a:r>
-              <a:rPr lang="pt-BR" sz="2200" b="0" i="0" dirty="0">
-                <a:effectLst/>
-                <a:latin typeface="Arial" panose="020B0604020202020204" pitchFamily="34" charset="0"/>
-                <a:cs typeface="Arial" panose="020B0604020202020204" pitchFamily="34" charset="0"/>
-              </a:rPr>
-              <a:t>Exemplo: Testar se o módulo de login consegue se comunicar corretamente com o módulo de gerenciamento de usuários.</a:t>
-            </a:r>
-          </a:p>
-        </p:txBody>
-      </p:sp>
-    </p:spTree>
-    <p:extLst>
-      <p:ext uri="{BB962C8B-B14F-4D97-AF65-F5344CB8AC3E}">
-        <p14:creationId xmlns:p14="http://schemas.microsoft.com/office/powerpoint/2010/main" val="949598773"/>
-      </p:ext>
-    </p:extLst>
-  </p:cSld>
-  <p:clrMapOvr>
-    <a:masterClrMapping/>
-  </p:clrMapOvr>
-</p:sld>
-</file>
-
-<file path=ppt/slides/slide9.xml><?xml version="1.0" encoding="utf-8"?>
 <p:sld xmlns:a="http://schemas.openxmlformats.org/drawingml/2006/main" xmlns:r="http://schemas.openxmlformats.org/officeDocument/2006/relationships" xmlns:p="http://schemas.openxmlformats.org/presentationml/2006/main">
   <p:cSld>
     <p:spTree>
@@ -13444,7 +11659,7 @@
         <p:spPr>
           <a:xfrm>
             <a:off x="1007706" y="1054359"/>
-            <a:ext cx="10752294" cy="2929007"/>
+            <a:ext cx="10752294" cy="4021614"/>
           </a:xfrm>
           <a:prstGeom prst="rect">
             <a:avLst/>
@@ -13517,14 +11732,11 @@
               <a:buFont typeface="Arial" panose="020B0604020202020204" pitchFamily="34" charset="0"/>
               <a:buChar char="•"/>
             </a:pPr>
-            <a:r>
-              <a:rPr lang="pt-BR" sz="2200" b="0" i="0" dirty="0">
-                <a:effectLst/>
-                <a:latin typeface="Arial" panose="020B0604020202020204" pitchFamily="34" charset="0"/>
-                <a:cs typeface="Arial" panose="020B0604020202020204" pitchFamily="34" charset="0"/>
-              </a:rPr>
-              <a:t>Quem testa: Testadores.</a:t>
-            </a:r>
+            <a:endParaRPr lang="pt-BR" sz="2200" b="0" i="0" dirty="0">
+              <a:effectLst/>
+              <a:latin typeface="Arial" panose="020B0604020202020204" pitchFamily="34" charset="0"/>
+              <a:cs typeface="Arial" panose="020B0604020202020204" pitchFamily="34" charset="0"/>
+            </a:endParaRPr>
           </a:p>
           <a:p>
             <a:pPr marL="742950" lvl="1" indent="-285750" algn="l">
@@ -13540,8 +11752,21 @@
                 <a:latin typeface="Arial" panose="020B0604020202020204" pitchFamily="34" charset="0"/>
                 <a:cs typeface="Arial" panose="020B0604020202020204" pitchFamily="34" charset="0"/>
               </a:rPr>
-              <a:t>Foco: Verificar se o sistema atende aos requisitos funcionais e não funcionais, e se ele interage corretamente com outros sistemas (se houver).</a:t>
-            </a:r>
+              <a:t>Quem testa: </a:t>
+            </a:r>
+            <a:r>
+              <a:rPr lang="pt-BR" sz="2200" b="0" i="0" dirty="0" err="1">
+                <a:effectLst/>
+                <a:latin typeface="Arial" panose="020B0604020202020204" pitchFamily="34" charset="0"/>
+                <a:cs typeface="Arial" panose="020B0604020202020204" pitchFamily="34" charset="0"/>
+              </a:rPr>
+              <a:t>Testers</a:t>
+            </a:r>
+            <a:endParaRPr lang="pt-BR" sz="2200" b="0" i="0" dirty="0">
+              <a:effectLst/>
+              <a:latin typeface="Arial" panose="020B0604020202020204" pitchFamily="34" charset="0"/>
+              <a:cs typeface="Arial" panose="020B0604020202020204" pitchFamily="34" charset="0"/>
+            </a:endParaRPr>
           </a:p>
           <a:p>
             <a:pPr marL="742950" lvl="1" indent="-285750" algn="l">
@@ -13551,6 +11776,51 @@
               <a:buFont typeface="Arial" panose="020B0604020202020204" pitchFamily="34" charset="0"/>
               <a:buChar char="•"/>
             </a:pPr>
+            <a:endParaRPr lang="pt-BR" sz="2200" b="0" i="0" dirty="0">
+              <a:effectLst/>
+              <a:latin typeface="Arial" panose="020B0604020202020204" pitchFamily="34" charset="0"/>
+              <a:cs typeface="Arial" panose="020B0604020202020204" pitchFamily="34" charset="0"/>
+            </a:endParaRPr>
+          </a:p>
+          <a:p>
+            <a:pPr marL="742950" lvl="1" indent="-285750" algn="l">
+              <a:spcAft>
+                <a:spcPts val="225"/>
+              </a:spcAft>
+              <a:buFont typeface="Arial" panose="020B0604020202020204" pitchFamily="34" charset="0"/>
+              <a:buChar char="•"/>
+            </a:pPr>
+            <a:r>
+              <a:rPr lang="pt-BR" sz="2200" b="0" i="0" dirty="0">
+                <a:effectLst/>
+                <a:latin typeface="Arial" panose="020B0604020202020204" pitchFamily="34" charset="0"/>
+                <a:cs typeface="Arial" panose="020B0604020202020204" pitchFamily="34" charset="0"/>
+              </a:rPr>
+              <a:t>Foco: Verificar se o sistema atende aos requisitos funcionais e não funcionais, e se ele interage corretamente com outros sistemas (se houver).</a:t>
+            </a:r>
+          </a:p>
+          <a:p>
+            <a:pPr marL="742950" lvl="1" indent="-285750" algn="l">
+              <a:spcAft>
+                <a:spcPts val="225"/>
+              </a:spcAft>
+              <a:buFont typeface="Arial" panose="020B0604020202020204" pitchFamily="34" charset="0"/>
+              <a:buChar char="•"/>
+            </a:pPr>
+            <a:endParaRPr lang="pt-BR" sz="2200" b="0" i="0" dirty="0">
+              <a:effectLst/>
+              <a:latin typeface="Arial" panose="020B0604020202020204" pitchFamily="34" charset="0"/>
+              <a:cs typeface="Arial" panose="020B0604020202020204" pitchFamily="34" charset="0"/>
+            </a:endParaRPr>
+          </a:p>
+          <a:p>
+            <a:pPr marL="742950" lvl="1" indent="-285750" algn="l">
+              <a:spcAft>
+                <a:spcPts val="225"/>
+              </a:spcAft>
+              <a:buFont typeface="Arial" panose="020B0604020202020204" pitchFamily="34" charset="0"/>
+              <a:buChar char="•"/>
+            </a:pPr>
             <a:r>
               <a:rPr lang="pt-BR" sz="2200" b="0" i="0" dirty="0">
                 <a:effectLst/>
@@ -13566,6 +11836,320 @@
     <p:extLst>
       <p:ext uri="{BB962C8B-B14F-4D97-AF65-F5344CB8AC3E}">
         <p14:creationId xmlns:p14="http://schemas.microsoft.com/office/powerpoint/2010/main" val="2079990382"/>
+      </p:ext>
+    </p:extLst>
+  </p:cSld>
+  <p:clrMapOvr>
+    <a:masterClrMapping/>
+  </p:clrMapOvr>
+</p:sld>
+</file>
+
+<file path=ppt/slides/slide9.xml><?xml version="1.0" encoding="utf-8"?>
+<p:sld xmlns:a="http://schemas.openxmlformats.org/drawingml/2006/main" xmlns:r="http://schemas.openxmlformats.org/officeDocument/2006/relationships" xmlns:p="http://schemas.openxmlformats.org/presentationml/2006/main">
+  <p:cSld>
+    <p:spTree>
+      <p:nvGrpSpPr>
+        <p:cNvPr id="1" name="">
+          <a:extLst>
+            <a:ext uri="{FF2B5EF4-FFF2-40B4-BE49-F238E27FC236}">
+              <a16:creationId xmlns:a16="http://schemas.microsoft.com/office/drawing/2014/main" id="{10BDF4CC-184F-DF82-D0C4-4D9786FFCB00}"/>
+            </a:ext>
+          </a:extLst>
+        </p:cNvPr>
+        <p:cNvGrpSpPr/>
+        <p:nvPr/>
+      </p:nvGrpSpPr>
+      <p:grpSpPr>
+        <a:xfrm>
+          <a:off x="0" y="0"/>
+          <a:ext cx="0" cy="0"/>
+          <a:chOff x="0" y="0"/>
+          <a:chExt cx="0" cy="0"/>
+        </a:xfrm>
+      </p:grpSpPr>
+      <p:pic>
+        <p:nvPicPr>
+          <p:cNvPr id="9" name="Picture 4" descr="Não perca: nova turma do curso de Mestre de Obras em Campinas | Sinduscon-SP">
+            <a:extLst>
+              <a:ext uri="{FF2B5EF4-FFF2-40B4-BE49-F238E27FC236}">
+                <a16:creationId xmlns:a16="http://schemas.microsoft.com/office/drawing/2014/main" id="{4B16E2B6-A99C-5B59-198B-7F2C803975E1}"/>
+              </a:ext>
+            </a:extLst>
+          </p:cNvPr>
+          <p:cNvPicPr>
+            <a:picLocks noChangeAspect="1" noChangeArrowheads="1"/>
+          </p:cNvPicPr>
+          <p:nvPr/>
+        </p:nvPicPr>
+        <p:blipFill>
+          <a:blip r:embed="rId2">
+            <a:extLst>
+              <a:ext uri="{28A0092B-C50C-407E-A947-70E740481C1C}">
+                <a14:useLocalDpi xmlns:a14="http://schemas.microsoft.com/office/drawing/2010/main" val="0"/>
+              </a:ext>
+            </a:extLst>
+          </a:blip>
+          <a:srcRect/>
+          <a:stretch>
+            <a:fillRect/>
+          </a:stretch>
+        </p:blipFill>
+        <p:spPr bwMode="auto">
+          <a:xfrm>
+            <a:off x="9731829" y="6232541"/>
+            <a:ext cx="2460171" cy="624717"/>
+          </a:xfrm>
+          <a:prstGeom prst="rect">
+            <a:avLst/>
+          </a:prstGeom>
+          <a:noFill/>
+          <a:extLst>
+            <a:ext uri="{909E8E84-426E-40DD-AFC4-6F175D3DCCD1}">
+              <a14:hiddenFill xmlns:a14="http://schemas.microsoft.com/office/drawing/2010/main">
+                <a:solidFill>
+                  <a:srgbClr val="FFFFFF"/>
+                </a:solidFill>
+              </a14:hiddenFill>
+            </a:ext>
+          </a:extLst>
+        </p:spPr>
+      </p:pic>
+      <p:sp>
+        <p:nvSpPr>
+          <p:cNvPr id="11" name="Título 6">
+            <a:extLst>
+              <a:ext uri="{FF2B5EF4-FFF2-40B4-BE49-F238E27FC236}">
+                <a16:creationId xmlns:a16="http://schemas.microsoft.com/office/drawing/2014/main" id="{A26E3283-5DA6-FF95-4BA8-4E5125075D3C}"/>
+              </a:ext>
+            </a:extLst>
+          </p:cNvPr>
+          <p:cNvSpPr txBox="1">
+            <a:spLocks/>
+          </p:cNvSpPr>
+          <p:nvPr/>
+        </p:nvSpPr>
+        <p:spPr>
+          <a:xfrm>
+            <a:off x="432000" y="254807"/>
+            <a:ext cx="11328000" cy="432000"/>
+          </a:xfrm>
+          <a:prstGeom prst="rect">
+            <a:avLst/>
+          </a:prstGeom>
+        </p:spPr>
+        <p:txBody>
+          <a:bodyPr vert="horz" lIns="0" tIns="0" rIns="0" bIns="0" rtlCol="0" anchor="ctr">
+            <a:noAutofit/>
+          </a:bodyPr>
+          <a:lstStyle>
+            <a:lvl1pPr algn="l" defTabSz="914400" rtl="0" eaLnBrk="1" latinLnBrk="0" hangingPunct="1">
+              <a:lnSpc>
+                <a:spcPct val="90000"/>
+              </a:lnSpc>
+              <a:spcBef>
+                <a:spcPct val="0"/>
+              </a:spcBef>
+              <a:buNone/>
+              <a:defRPr sz="3200" b="1" kern="1200" spc="-150">
+                <a:solidFill>
+                  <a:schemeClr val="tx1">
+                    <a:lumMod val="75000"/>
+                    <a:lumOff val="25000"/>
+                  </a:schemeClr>
+                </a:solidFill>
+                <a:latin typeface="+mj-lt"/>
+                <a:ea typeface="+mj-ea"/>
+                <a:cs typeface="+mj-cs"/>
+              </a:defRPr>
+            </a:lvl1pPr>
+          </a:lstStyle>
+          <a:p>
+            <a:r>
+              <a:rPr lang="pt-BR" dirty="0">
+                <a:solidFill>
+                  <a:srgbClr val="C00000"/>
+                </a:solidFill>
+                <a:latin typeface="Arial" panose="020B0604020202020204" pitchFamily="34" charset="0"/>
+                <a:ea typeface="Cambria" panose="02040503050406030204" pitchFamily="18" charset="0"/>
+                <a:cs typeface="Arial" panose="020B0604020202020204" pitchFamily="34" charset="0"/>
+              </a:rPr>
+              <a:t>Teste de Sistema</a:t>
+            </a:r>
+          </a:p>
+        </p:txBody>
+      </p:sp>
+      <p:sp>
+        <p:nvSpPr>
+          <p:cNvPr id="8" name="CaixaDeTexto 7">
+            <a:extLst>
+              <a:ext uri="{FF2B5EF4-FFF2-40B4-BE49-F238E27FC236}">
+                <a16:creationId xmlns:a16="http://schemas.microsoft.com/office/drawing/2014/main" id="{E70BADA1-CB79-C8AA-5176-FA1A525883C1}"/>
+              </a:ext>
+            </a:extLst>
+          </p:cNvPr>
+          <p:cNvSpPr txBox="1"/>
+          <p:nvPr/>
+        </p:nvSpPr>
+        <p:spPr>
+          <a:xfrm>
+            <a:off x="506962" y="1829381"/>
+            <a:ext cx="11178075" cy="3995966"/>
+          </a:xfrm>
+          <a:prstGeom prst="rect">
+            <a:avLst/>
+          </a:prstGeom>
+          <a:noFill/>
+        </p:spPr>
+        <p:txBody>
+          <a:bodyPr wrap="square">
+            <a:spAutoFit/>
+          </a:bodyPr>
+          <a:lstStyle/>
+          <a:p>
+            <a:pPr algn="just">
+              <a:spcAft>
+                <a:spcPts val="225"/>
+              </a:spcAft>
+            </a:pPr>
+            <a:r>
+              <a:rPr lang="pt-BR" sz="2200" b="1" i="0" dirty="0">
+                <a:effectLst/>
+                <a:latin typeface="Arial" panose="020B0604020202020204" pitchFamily="34" charset="0"/>
+                <a:cs typeface="Arial" panose="020B0604020202020204" pitchFamily="34" charset="0"/>
+              </a:rPr>
+              <a:t>Testes Funcionais:</a:t>
+            </a:r>
+            <a:endParaRPr lang="pt-BR" sz="2200" b="0" i="0" dirty="0">
+              <a:effectLst/>
+              <a:latin typeface="Arial" panose="020B0604020202020204" pitchFamily="34" charset="0"/>
+              <a:cs typeface="Arial" panose="020B0604020202020204" pitchFamily="34" charset="0"/>
+            </a:endParaRPr>
+          </a:p>
+          <a:p>
+            <a:pPr algn="just">
+              <a:spcAft>
+                <a:spcPts val="225"/>
+              </a:spcAft>
+              <a:buFont typeface="Arial" panose="020B0604020202020204" pitchFamily="34" charset="0"/>
+              <a:buChar char="•"/>
+            </a:pPr>
+            <a:r>
+              <a:rPr lang="pt-BR" sz="2200" b="0" i="0" dirty="0">
+                <a:effectLst/>
+                <a:latin typeface="Arial" panose="020B0604020202020204" pitchFamily="34" charset="0"/>
+                <a:cs typeface="Arial" panose="020B0604020202020204" pitchFamily="34" charset="0"/>
+              </a:rPr>
+              <a:t>Objetivo: Verificar se o sistema faz o que foi especificado nos requisitos funcionais.</a:t>
+            </a:r>
+          </a:p>
+          <a:p>
+            <a:pPr algn="just">
+              <a:spcAft>
+                <a:spcPts val="225"/>
+              </a:spcAft>
+              <a:buFont typeface="Arial" panose="020B0604020202020204" pitchFamily="34" charset="0"/>
+              <a:buChar char="•"/>
+            </a:pPr>
+            <a:r>
+              <a:rPr lang="pt-BR" sz="2200" b="0" i="0" dirty="0">
+                <a:effectLst/>
+                <a:latin typeface="Arial" panose="020B0604020202020204" pitchFamily="34" charset="0"/>
+                <a:cs typeface="Arial" panose="020B0604020202020204" pitchFamily="34" charset="0"/>
+              </a:rPr>
+              <a:t>Tipos:</a:t>
+            </a:r>
+          </a:p>
+          <a:p>
+            <a:pPr marL="742950" lvl="1" indent="-285750" algn="just">
+              <a:spcAft>
+                <a:spcPts val="225"/>
+              </a:spcAft>
+              <a:buFont typeface="Arial" panose="020B0604020202020204" pitchFamily="34" charset="0"/>
+              <a:buChar char="•"/>
+            </a:pPr>
+            <a:r>
+              <a:rPr lang="pt-BR" sz="2200" b="1" i="0" dirty="0">
+                <a:effectLst/>
+                <a:latin typeface="Arial" panose="020B0604020202020204" pitchFamily="34" charset="0"/>
+                <a:cs typeface="Arial" panose="020B0604020202020204" pitchFamily="34" charset="0"/>
+              </a:rPr>
+              <a:t>Teste de Caixa Preta:</a:t>
+            </a:r>
+            <a:r>
+              <a:rPr lang="pt-BR" sz="2200" b="0" i="0" dirty="0">
+                <a:effectLst/>
+                <a:latin typeface="Arial" panose="020B0604020202020204" pitchFamily="34" charset="0"/>
+                <a:cs typeface="Arial" panose="020B0604020202020204" pitchFamily="34" charset="0"/>
+              </a:rPr>
+              <a:t> Testar o sistema sem conhecimento da sua estrutura interna.</a:t>
+            </a:r>
+          </a:p>
+          <a:p>
+            <a:pPr marL="1143000" lvl="2" indent="-228600" algn="just">
+              <a:spcAft>
+                <a:spcPts val="225"/>
+              </a:spcAft>
+              <a:buFont typeface="Arial" panose="020B0604020202020204" pitchFamily="34" charset="0"/>
+              <a:buChar char="•"/>
+            </a:pPr>
+            <a:r>
+              <a:rPr lang="pt-BR" sz="2200" b="0" i="0" dirty="0">
+                <a:effectLst/>
+                <a:latin typeface="Arial" panose="020B0604020202020204" pitchFamily="34" charset="0"/>
+                <a:cs typeface="Arial" panose="020B0604020202020204" pitchFamily="34" charset="0"/>
+              </a:rPr>
+              <a:t>Testes de Equivalência de Classes: Dividir os dados de entrada em classes equivalentes e testar apenas um valor de cada classe.</a:t>
+            </a:r>
+          </a:p>
+          <a:p>
+            <a:pPr marL="1143000" lvl="2" indent="-228600" algn="just">
+              <a:spcAft>
+                <a:spcPts val="225"/>
+              </a:spcAft>
+              <a:buFont typeface="Arial" panose="020B0604020202020204" pitchFamily="34" charset="0"/>
+              <a:buChar char="•"/>
+            </a:pPr>
+            <a:r>
+              <a:rPr lang="pt-BR" sz="2200" b="0" i="0" dirty="0">
+                <a:effectLst/>
+                <a:latin typeface="Arial" panose="020B0604020202020204" pitchFamily="34" charset="0"/>
+                <a:cs typeface="Arial" panose="020B0604020202020204" pitchFamily="34" charset="0"/>
+              </a:rPr>
+              <a:t>Análise de Valor Limite: Testar os valores nos limites das classes equivalentes.</a:t>
+            </a:r>
+          </a:p>
+          <a:p>
+            <a:pPr marL="1143000" lvl="2" indent="-228600" algn="just">
+              <a:spcAft>
+                <a:spcPts val="225"/>
+              </a:spcAft>
+              <a:buFont typeface="Arial" panose="020B0604020202020204" pitchFamily="34" charset="0"/>
+              <a:buChar char="•"/>
+            </a:pPr>
+            <a:r>
+              <a:rPr lang="pt-BR" sz="2200" b="0" i="0" dirty="0">
+                <a:effectLst/>
+                <a:latin typeface="Arial" panose="020B0604020202020204" pitchFamily="34" charset="0"/>
+                <a:cs typeface="Arial" panose="020B0604020202020204" pitchFamily="34" charset="0"/>
+              </a:rPr>
+              <a:t>Testes de Tabela de Decisão: Criar tabelas para combinar diferentes condições e ações e testar todas as combinações possíveis.</a:t>
+            </a:r>
+          </a:p>
+          <a:p>
+            <a:pPr algn="just"/>
+            <a:endParaRPr lang="pt-BR" sz="2200" b="0" i="0" dirty="0">
+              <a:effectLst/>
+              <a:latin typeface="Arial" panose="020B0604020202020204" pitchFamily="34" charset="0"/>
+              <a:cs typeface="Arial" panose="020B0604020202020204" pitchFamily="34" charset="0"/>
+            </a:endParaRPr>
+          </a:p>
+        </p:txBody>
+      </p:sp>
+    </p:spTree>
+    <p:extLst>
+      <p:ext uri="{BB962C8B-B14F-4D97-AF65-F5344CB8AC3E}">
+        <p14:creationId xmlns:p14="http://schemas.microsoft.com/office/powerpoint/2010/main" val="1908247947"/>
       </p:ext>
     </p:extLst>
   </p:cSld>
@@ -14397,6 +12981,15 @@
 </file>
 
 <file path=customXml/item1.xml><?xml version="1.0" encoding="utf-8"?>
+<p:properties xmlns:p="http://schemas.microsoft.com/office/2006/metadata/properties" xmlns:xsi="http://www.w3.org/2001/XMLSchema-instance" xmlns:pc="http://schemas.microsoft.com/office/infopath/2007/PartnerControls">
+  <documentManagement>
+    <_ip_UnifiedCompliancePolicyUIAction xmlns="http://schemas.microsoft.com/sharepoint/v3" xsi:nil="true"/>
+    <_ip_UnifiedCompliancePolicyProperties xmlns="http://schemas.microsoft.com/sharepoint/v3" xsi:nil="true"/>
+  </documentManagement>
+</p:properties>
+</file>
+
+<file path=customXml/item2.xml><?xml version="1.0" encoding="utf-8"?>
 <ct:contentTypeSchema xmlns:ct="http://schemas.microsoft.com/office/2006/metadata/contentType" xmlns:ma="http://schemas.microsoft.com/office/2006/metadata/properties/metaAttributes" ct:_="" ma:_="" ma:contentTypeName="Document" ma:contentTypeID="0x010100DEEA25CC0A0AC24199CDC46C25B8B0BC" ma:contentTypeVersion="9" ma:contentTypeDescription="Create a new document." ma:contentTypeScope="" ma:versionID="76e25e1730b4532ab1d5e5b131a96a5a">
   <xsd:schema xmlns:xsd="http://www.w3.org/2001/XMLSchema" xmlns:xs="http://www.w3.org/2001/XMLSchema" xmlns:p="http://schemas.microsoft.com/office/2006/metadata/properties" xmlns:ns1="http://schemas.microsoft.com/sharepoint/v3" xmlns:ns2="6dc4bcd6-49db-4c07-9060-8acfc67cef9f" xmlns:ns3="fb0879af-3eba-417a-a55a-ffe6dcd6ca77" targetNamespace="http://schemas.microsoft.com/office/2006/metadata/properties" ma:root="true" ma:fieldsID="ad1e9281a84c4949647088091c718de3" ns1:_="" ns2:_="" ns3:_="">
     <xsd:import namespace="http://schemas.microsoft.com/sharepoint/v3"/>
@@ -14598,16 +13191,25 @@
 </ct:contentTypeSchema>
 </file>
 
-<file path=customXml/item2.xml><?xml version="1.0" encoding="utf-8"?>
-<p:properties xmlns:p="http://schemas.microsoft.com/office/2006/metadata/properties" xmlns:xsi="http://www.w3.org/2001/XMLSchema-instance" xmlns:pc="http://schemas.microsoft.com/office/infopath/2007/PartnerControls">
-  <documentManagement>
-    <_ip_UnifiedCompliancePolicyUIAction xmlns="http://schemas.microsoft.com/sharepoint/v3" xsi:nil="true"/>
-    <_ip_UnifiedCompliancePolicyProperties xmlns="http://schemas.microsoft.com/sharepoint/v3" xsi:nil="true"/>
-  </documentManagement>
-</p:properties>
+<file path=customXml/itemProps1.xml><?xml version="1.0" encoding="utf-8"?>
+<ds:datastoreItem xmlns:ds="http://schemas.openxmlformats.org/officeDocument/2006/customXml" ds:itemID="{EB2218FC-8412-44B9-9E82-D51F1F531141}">
+  <ds:schemaRefs>
+    <ds:schemaRef ds:uri="http://purl.org/dc/terms/"/>
+    <ds:schemaRef ds:uri="http://www.w3.org/XML/1998/namespace"/>
+    <ds:schemaRef ds:uri="http://schemas.openxmlformats.org/package/2006/metadata/core-properties"/>
+    <ds:schemaRef ds:uri="http://schemas.microsoft.com/office/2006/documentManagement/types"/>
+    <ds:schemaRef ds:uri="http://purl.org/dc/dcmitype/"/>
+    <ds:schemaRef ds:uri="http://schemas.microsoft.com/office/infopath/2007/PartnerControls"/>
+    <ds:schemaRef ds:uri="fb0879af-3eba-417a-a55a-ffe6dcd6ca77"/>
+    <ds:schemaRef ds:uri="6dc4bcd6-49db-4c07-9060-8acfc67cef9f"/>
+    <ds:schemaRef ds:uri="http://schemas.microsoft.com/sharepoint/v3"/>
+    <ds:schemaRef ds:uri="http://schemas.microsoft.com/office/2006/metadata/properties"/>
+    <ds:schemaRef ds:uri="http://purl.org/dc/elements/1.1/"/>
+  </ds:schemaRefs>
+</ds:datastoreItem>
 </file>
 
-<file path=customXml/itemProps1.xml><?xml version="1.0" encoding="utf-8"?>
+<file path=customXml/itemProps2.xml><?xml version="1.0" encoding="utf-8"?>
 <ds:datastoreItem xmlns:ds="http://schemas.openxmlformats.org/officeDocument/2006/customXml" ds:itemID="{B64A4C9D-F801-4923-BC6D-E0006F512331}">
   <ds:schemaRefs>
     <ds:schemaRef ds:uri="http://schemas.microsoft.com/office/2006/metadata/contentType"/>
@@ -14625,22 +13227,4 @@
     <ds:schemaRef ds:uri="http://schemas.microsoft.com/internal/obd"/>
   </ds:schemaRefs>
 </ds:datastoreItem>
-</file>
-
-<file path=customXml/itemProps2.xml><?xml version="1.0" encoding="utf-8"?>
-<ds:datastoreItem xmlns:ds="http://schemas.openxmlformats.org/officeDocument/2006/customXml" ds:itemID="{EB2218FC-8412-44B9-9E82-D51F1F531141}">
-  <ds:schemaRefs>
-    <ds:schemaRef ds:uri="http://purl.org/dc/terms/"/>
-    <ds:schemaRef ds:uri="http://www.w3.org/XML/1998/namespace"/>
-    <ds:schemaRef ds:uri="http://schemas.openxmlformats.org/package/2006/metadata/core-properties"/>
-    <ds:schemaRef ds:uri="http://schemas.microsoft.com/office/2006/documentManagement/types"/>
-    <ds:schemaRef ds:uri="http://purl.org/dc/dcmitype/"/>
-    <ds:schemaRef ds:uri="http://schemas.microsoft.com/office/infopath/2007/PartnerControls"/>
-    <ds:schemaRef ds:uri="fb0879af-3eba-417a-a55a-ffe6dcd6ca77"/>
-    <ds:schemaRef ds:uri="6dc4bcd6-49db-4c07-9060-8acfc67cef9f"/>
-    <ds:schemaRef ds:uri="http://schemas.microsoft.com/sharepoint/v3"/>
-    <ds:schemaRef ds:uri="http://schemas.microsoft.com/office/2006/metadata/properties"/>
-    <ds:schemaRef ds:uri="http://purl.org/dc/elements/1.1/"/>
-  </ds:schemaRefs>
-</ds:datastoreItem>
 </file>